--- a/presentation/slides/phd.pptx
+++ b/presentation/slides/phd.pptx
@@ -5,12 +5,15 @@
     <p:sldMasterId id="2147483648" r:id="rId1"/>
   </p:sldMasterIdLst>
   <p:notesMasterIdLst>
-    <p:notesMasterId r:id="rId5"/>
+    <p:notesMasterId r:id="rId8"/>
   </p:notesMasterIdLst>
   <p:sldIdLst>
     <p:sldId id="256" r:id="rId2"/>
     <p:sldId id="258" r:id="rId3"/>
-    <p:sldId id="257" r:id="rId4"/>
+    <p:sldId id="259" r:id="rId4"/>
+    <p:sldId id="260" r:id="rId5"/>
+    <p:sldId id="257" r:id="rId6"/>
+    <p:sldId id="261" r:id="rId7"/>
   </p:sldIdLst>
   <p:sldSz cx="9144000" cy="5143500" type="screen16x9"/>
   <p:notesSz cx="6858000" cy="9144000"/>
@@ -110,6 +113,20 @@
     </a:lvl9pPr>
   </p:defaultTextStyle>
   <p:extLst>
+    <p:ext uri="{521415D9-36F7-43E2-AB2F-B90AF26B5E84}">
+      <p14:sectionLst xmlns:p14="http://schemas.microsoft.com/office/powerpoint/2010/main">
+        <p14:section name="Introduction" id="{673F1B9F-02B2-4773-8550-8E1906F8FA59}">
+          <p14:sldIdLst>
+            <p14:sldId id="256"/>
+            <p14:sldId id="258"/>
+            <p14:sldId id="259"/>
+            <p14:sldId id="260"/>
+            <p14:sldId id="257"/>
+            <p14:sldId id="261"/>
+          </p14:sldIdLst>
+        </p14:section>
+      </p14:sectionLst>
+    </p:ext>
     <p:ext uri="{EFAFB233-063F-42B5-8137-9DF3F51BA10A}">
       <p15:sldGuideLst xmlns:p15="http://schemas.microsoft.com/office/powerpoint/2012/main">
         <p15:guide id="1" orient="horz" pos="1620">
@@ -553,6 +570,180 @@
     <p:extLst>
       <p:ext uri="{BB962C8B-B14F-4D97-AF65-F5344CB8AC3E}">
         <p14:creationId xmlns:p14="http://schemas.microsoft.com/office/powerpoint/2010/main" val="3202428120"/>
+      </p:ext>
+    </p:extLst>
+  </p:cSld>
+  <p:clrMapOvr>
+    <a:masterClrMapping/>
+  </p:clrMapOvr>
+</p:notes>
+</file>
+
+<file path=ppt/notesSlides/notesSlide2.xml><?xml version="1.0" encoding="utf-8"?>
+<p:notes xmlns:a="http://schemas.openxmlformats.org/drawingml/2006/main" xmlns:r="http://schemas.openxmlformats.org/officeDocument/2006/relationships" xmlns:p="http://schemas.openxmlformats.org/presentationml/2006/main">
+  <p:cSld>
+    <p:spTree>
+      <p:nvGrpSpPr>
+        <p:cNvPr id="1" name=""/>
+        <p:cNvGrpSpPr/>
+        <p:nvPr/>
+      </p:nvGrpSpPr>
+      <p:grpSpPr>
+        <a:xfrm>
+          <a:off x="0" y="0"/>
+          <a:ext cx="0" cy="0"/>
+          <a:chOff x="0" y="0"/>
+          <a:chExt cx="0" cy="0"/>
+        </a:xfrm>
+      </p:grpSpPr>
+      <p:sp>
+        <p:nvSpPr>
+          <p:cNvPr id="2" name="Slide Image Placeholder 1"/>
+          <p:cNvSpPr>
+            <a:spLocks noGrp="1" noRot="1" noChangeAspect="1"/>
+          </p:cNvSpPr>
+          <p:nvPr>
+            <p:ph type="sldImg"/>
+          </p:nvPr>
+        </p:nvSpPr>
+        <p:spPr/>
+      </p:sp>
+      <p:sp>
+        <p:nvSpPr>
+          <p:cNvPr id="3" name="Notes Placeholder 2"/>
+          <p:cNvSpPr>
+            <a:spLocks noGrp="1"/>
+          </p:cNvSpPr>
+          <p:nvPr>
+            <p:ph type="body" idx="1"/>
+          </p:nvPr>
+        </p:nvSpPr>
+        <p:spPr/>
+        <p:txBody>
+          <a:bodyPr/>
+          <a:lstStyle/>
+          <a:p>
+            <a:r>
+              <a:rPr lang="en-NO"/>
+              <a:t>Oceans are a vital part of our daily lives, with a major role to play in regulating the Earth's climate and supporting life on this planet. They provide us with food, energy, and transportation, and are also home to intricate ecosystems that are important for biodiversity. However, human activities are increasingly putting pressure on these ecosystems, with overfishing, pollution, and climate change all affecting the health of our oceans. It's important that we work to protect and conserve these important resources for future generations.</a:t>
+            </a:r>
+          </a:p>
+        </p:txBody>
+      </p:sp>
+      <p:sp>
+        <p:nvSpPr>
+          <p:cNvPr id="4" name="Slide Number Placeholder 3"/>
+          <p:cNvSpPr>
+            <a:spLocks noGrp="1"/>
+          </p:cNvSpPr>
+          <p:nvPr>
+            <p:ph type="sldNum" sz="quarter" idx="5"/>
+          </p:nvPr>
+        </p:nvSpPr>
+        <p:spPr/>
+        <p:txBody>
+          <a:bodyPr/>
+          <a:lstStyle/>
+          <a:p>
+            <a:fld id="{E62788E2-7A01-D94F-A69A-99201CD12588}" type="slidenum">
+              <a:rPr lang="en-NO" smtClean="0"/>
+              <a:t>4</a:t>
+            </a:fld>
+            <a:endParaRPr lang="en-NO"/>
+          </a:p>
+        </p:txBody>
+      </p:sp>
+    </p:spTree>
+    <p:extLst>
+      <p:ext uri="{BB962C8B-B14F-4D97-AF65-F5344CB8AC3E}">
+        <p14:creationId xmlns:p14="http://schemas.microsoft.com/office/powerpoint/2010/main" val="2291914863"/>
+      </p:ext>
+    </p:extLst>
+  </p:cSld>
+  <p:clrMapOvr>
+    <a:masterClrMapping/>
+  </p:clrMapOvr>
+</p:notes>
+</file>
+
+<file path=ppt/notesSlides/notesSlide3.xml><?xml version="1.0" encoding="utf-8"?>
+<p:notes xmlns:a="http://schemas.openxmlformats.org/drawingml/2006/main" xmlns:r="http://schemas.openxmlformats.org/officeDocument/2006/relationships" xmlns:p="http://schemas.openxmlformats.org/presentationml/2006/main">
+  <p:cSld>
+    <p:spTree>
+      <p:nvGrpSpPr>
+        <p:cNvPr id="1" name=""/>
+        <p:cNvGrpSpPr/>
+        <p:nvPr/>
+      </p:nvGrpSpPr>
+      <p:grpSpPr>
+        <a:xfrm>
+          <a:off x="0" y="0"/>
+          <a:ext cx="0" cy="0"/>
+          <a:chOff x="0" y="0"/>
+          <a:chExt cx="0" cy="0"/>
+        </a:xfrm>
+      </p:grpSpPr>
+      <p:sp>
+        <p:nvSpPr>
+          <p:cNvPr id="2" name="Slide Image Placeholder 1"/>
+          <p:cNvSpPr>
+            <a:spLocks noGrp="1" noRot="1" noChangeAspect="1"/>
+          </p:cNvSpPr>
+          <p:nvPr>
+            <p:ph type="sldImg"/>
+          </p:nvPr>
+        </p:nvSpPr>
+        <p:spPr/>
+      </p:sp>
+      <p:sp>
+        <p:nvSpPr>
+          <p:cNvPr id="3" name="Notes Placeholder 2"/>
+          <p:cNvSpPr>
+            <a:spLocks noGrp="1"/>
+          </p:cNvSpPr>
+          <p:nvPr>
+            <p:ph type="body" idx="1"/>
+          </p:nvPr>
+        </p:nvSpPr>
+        <p:spPr/>
+        <p:txBody>
+          <a:bodyPr/>
+          <a:lstStyle/>
+          <a:p>
+            <a:r>
+              <a:rPr lang="en-NO"/>
+              <a:t>An ocean front is the boundary between two different water masses, and typically has sharp gradients in temperature, salinity, and other properties. River plume fronts are important for many reasons, including for example, their impact on coastal ecosystems and the transport of pollutants. By using adaptive sampling and autonomous path planning, we can better study these important features of our oceans.</a:t>
+            </a:r>
+          </a:p>
+        </p:txBody>
+      </p:sp>
+      <p:sp>
+        <p:nvSpPr>
+          <p:cNvPr id="4" name="Slide Number Placeholder 3"/>
+          <p:cNvSpPr>
+            <a:spLocks noGrp="1"/>
+          </p:cNvSpPr>
+          <p:nvPr>
+            <p:ph type="sldNum" sz="quarter" idx="5"/>
+          </p:nvPr>
+        </p:nvSpPr>
+        <p:spPr/>
+        <p:txBody>
+          <a:bodyPr/>
+          <a:lstStyle/>
+          <a:p>
+            <a:fld id="{E62788E2-7A01-D94F-A69A-99201CD12588}" type="slidenum">
+              <a:rPr lang="en-NO" smtClean="0"/>
+              <a:t>6</a:t>
+            </a:fld>
+            <a:endParaRPr lang="en-NO"/>
+          </a:p>
+        </p:txBody>
+      </p:sp>
+    </p:spTree>
+    <p:extLst>
+      <p:ext uri="{BB962C8B-B14F-4D97-AF65-F5344CB8AC3E}">
+        <p14:creationId xmlns:p14="http://schemas.microsoft.com/office/powerpoint/2010/main" val="3606122724"/>
       </p:ext>
     </p:extLst>
   </p:cSld>
@@ -3653,7 +3844,44 @@
           <a:bodyPr/>
           <a:lstStyle/>
           <a:p>
-            <a:endParaRPr lang="en-NO"/>
+            <a:r>
+              <a:rPr lang="en-NO" dirty="0"/>
+              <a:t>Introduction</a:t>
+            </a:r>
+          </a:p>
+          <a:p>
+            <a:r>
+              <a:rPr lang="en-NO" dirty="0"/>
+              <a:t>Research questions</a:t>
+            </a:r>
+          </a:p>
+          <a:p>
+            <a:r>
+              <a:rPr lang="en-GB" dirty="0"/>
+              <a:t>O</a:t>
+            </a:r>
+            <a:r>
+              <a:rPr lang="en-NO" dirty="0"/>
+              <a:t>ur approach</a:t>
+            </a:r>
+          </a:p>
+          <a:p>
+            <a:r>
+              <a:rPr lang="en-NO" dirty="0"/>
+              <a:t>Validation and testing</a:t>
+            </a:r>
+          </a:p>
+          <a:p>
+            <a:r>
+              <a:rPr lang="en-NO" dirty="0"/>
+              <a:t>Remarks</a:t>
+            </a:r>
+          </a:p>
+          <a:p>
+            <a:r>
+              <a:rPr lang="en-NO" dirty="0"/>
+              <a:t>Conclusion</a:t>
+            </a:r>
           </a:p>
         </p:txBody>
       </p:sp>
@@ -3678,7 +3906,10 @@
           <a:bodyPr/>
           <a:lstStyle/>
           <a:p>
-            <a:endParaRPr lang="en-NO"/>
+            <a:r>
+              <a:rPr lang="en-NO" dirty="0"/>
+              <a:t>Agenda</a:t>
+            </a:r>
           </a:p>
         </p:txBody>
       </p:sp>
@@ -3712,10 +3943,425 @@
           <a:chExt cx="0" cy="0"/>
         </a:xfrm>
       </p:grpSpPr>
+      <p:sp>
+        <p:nvSpPr>
+          <p:cNvPr id="2" name="Content Placeholder 1">
+            <a:extLst>
+              <a:ext uri="{FF2B5EF4-FFF2-40B4-BE49-F238E27FC236}">
+                <a16:creationId xmlns:a16="http://schemas.microsoft.com/office/drawing/2014/main" id="{423769BC-8DCB-2FB2-0FF7-71C57112EECC}"/>
+              </a:ext>
+            </a:extLst>
+          </p:cNvPr>
+          <p:cNvSpPr>
+            <a:spLocks noGrp="1"/>
+          </p:cNvSpPr>
+          <p:nvPr>
+            <p:ph idx="1"/>
+          </p:nvPr>
+        </p:nvSpPr>
+        <p:spPr/>
+        <p:txBody>
+          <a:bodyPr/>
+          <a:lstStyle/>
+          <a:p>
+            <a:endParaRPr lang="en-NO"/>
+          </a:p>
+        </p:txBody>
+      </p:sp>
+      <p:sp>
+        <p:nvSpPr>
+          <p:cNvPr id="3" name="Title 2">
+            <a:extLst>
+              <a:ext uri="{FF2B5EF4-FFF2-40B4-BE49-F238E27FC236}">
+                <a16:creationId xmlns:a16="http://schemas.microsoft.com/office/drawing/2014/main" id="{76B587F3-77FB-4434-F17B-855B3D1FFD18}"/>
+              </a:ext>
+            </a:extLst>
+          </p:cNvPr>
+          <p:cNvSpPr>
+            <a:spLocks noGrp="1"/>
+          </p:cNvSpPr>
+          <p:nvPr>
+            <p:ph type="title"/>
+          </p:nvPr>
+        </p:nvSpPr>
+        <p:spPr/>
+        <p:txBody>
+          <a:bodyPr/>
+          <a:lstStyle/>
+          <a:p>
+            <a:endParaRPr lang="en-NO"/>
+          </a:p>
+        </p:txBody>
+      </p:sp>
+    </p:spTree>
+    <p:extLst>
+      <p:ext uri="{BB962C8B-B14F-4D97-AF65-F5344CB8AC3E}">
+        <p14:creationId xmlns:p14="http://schemas.microsoft.com/office/powerpoint/2010/main" val="1693402847"/>
+      </p:ext>
+    </p:extLst>
+  </p:cSld>
+  <p:clrMapOvr>
+    <a:masterClrMapping/>
+  </p:clrMapOvr>
+</p:sld>
+</file>
+
+<file path=ppt/slides/slide4.xml><?xml version="1.0" encoding="utf-8"?>
+<p:sld xmlns:a="http://schemas.openxmlformats.org/drawingml/2006/main" xmlns:r="http://schemas.openxmlformats.org/officeDocument/2006/relationships" xmlns:p="http://schemas.openxmlformats.org/presentationml/2006/main">
+  <p:cSld>
+    <p:spTree>
+      <p:nvGrpSpPr>
+        <p:cNvPr id="1" name=""/>
+        <p:cNvGrpSpPr/>
+        <p:nvPr/>
+      </p:nvGrpSpPr>
+      <p:grpSpPr>
+        <a:xfrm>
+          <a:off x="0" y="0"/>
+          <a:ext cx="0" cy="0"/>
+          <a:chOff x="0" y="0"/>
+          <a:chExt cx="0" cy="0"/>
+        </a:xfrm>
+      </p:grpSpPr>
+      <p:sp>
+        <p:nvSpPr>
+          <p:cNvPr id="2" name="Title 1">
+            <a:extLst>
+              <a:ext uri="{FF2B5EF4-FFF2-40B4-BE49-F238E27FC236}">
+                <a16:creationId xmlns:a16="http://schemas.microsoft.com/office/drawing/2014/main" id="{4DA7DCAF-6265-EB34-47A5-2EAF5C55632A}"/>
+              </a:ext>
+            </a:extLst>
+          </p:cNvPr>
+          <p:cNvSpPr>
+            <a:spLocks noGrp="1"/>
+          </p:cNvSpPr>
+          <p:nvPr>
+            <p:ph type="title"/>
+          </p:nvPr>
+        </p:nvSpPr>
+        <p:spPr>
+          <a:xfrm>
+            <a:off x="314320" y="205979"/>
+            <a:ext cx="8229600" cy="646331"/>
+          </a:xfrm>
+        </p:spPr>
+        <p:txBody>
+          <a:bodyPr anchor="t">
+            <a:normAutofit/>
+          </a:bodyPr>
+          <a:lstStyle/>
+          <a:p>
+            <a:pPr>
+              <a:lnSpc>
+                <a:spcPct val="90000"/>
+              </a:lnSpc>
+            </a:pPr>
+            <a:r>
+              <a:rPr lang="en-NO" sz="2800"/>
+              <a:t>The Importance of Oceans in Our Daily Life</a:t>
+            </a:r>
+          </a:p>
+        </p:txBody>
+      </p:sp>
+      <p:pic>
+        <p:nvPicPr>
+          <p:cNvPr id="5" name="Content Placeholder 4" descr="High angle view of the sea">
+            <a:extLst>
+              <a:ext uri="{FF2B5EF4-FFF2-40B4-BE49-F238E27FC236}">
+                <a16:creationId xmlns:a16="http://schemas.microsoft.com/office/drawing/2014/main" id="{E7F964F8-F631-4F7C-A714-3958B1BCCCC8}"/>
+              </a:ext>
+            </a:extLst>
+          </p:cNvPr>
+          <p:cNvPicPr>
+            <a:picLocks noGrp="1" noChangeAspect="1"/>
+          </p:cNvPicPr>
+          <p:nvPr>
+            <p:ph sz="half" idx="1"/>
+          </p:nvPr>
+        </p:nvPicPr>
+        <p:blipFill rotWithShape="1">
+          <a:blip r:embed="rId3"/>
+          <a:srcRect l="866" r="19716" b="-3"/>
+          <a:stretch/>
+        </p:blipFill>
+        <p:spPr>
+          <a:xfrm>
+            <a:off x="457200" y="1200151"/>
+            <a:ext cx="4038600" cy="3394472"/>
+          </a:xfrm>
+          <a:noFill/>
+        </p:spPr>
+      </p:pic>
+      <p:sp>
+        <p:nvSpPr>
+          <p:cNvPr id="4" name="Content Placeholder 3">
+            <a:extLst>
+              <a:ext uri="{FF2B5EF4-FFF2-40B4-BE49-F238E27FC236}">
+                <a16:creationId xmlns:a16="http://schemas.microsoft.com/office/drawing/2014/main" id="{BC736B99-A25C-EC19-0DDA-0E81401D6148}"/>
+              </a:ext>
+            </a:extLst>
+          </p:cNvPr>
+          <p:cNvSpPr>
+            <a:spLocks noGrp="1"/>
+          </p:cNvSpPr>
+          <p:nvPr>
+            <p:ph sz="half" idx="2"/>
+          </p:nvPr>
+        </p:nvSpPr>
+        <p:spPr>
+          <a:xfrm>
+            <a:off x="4648200" y="1200151"/>
+            <a:ext cx="4038600" cy="3394472"/>
+          </a:xfrm>
+        </p:spPr>
+        <p:txBody>
+          <a:bodyPr>
+            <a:normAutofit/>
+          </a:bodyPr>
+          <a:lstStyle/>
+          <a:p>
+            <a:pPr>
+              <a:lnSpc>
+                <a:spcPct val="90000"/>
+              </a:lnSpc>
+            </a:pPr>
+            <a:r>
+              <a:rPr lang="en-GB" sz="1500"/>
+              <a:t>Oceans are a major heat reservoir and influence weather patterns, moderating temperature and making Earth habitable.</a:t>
+            </a:r>
+          </a:p>
+          <a:p>
+            <a:pPr>
+              <a:lnSpc>
+                <a:spcPct val="90000"/>
+              </a:lnSpc>
+            </a:pPr>
+            <a:r>
+              <a:rPr lang="en-GB" sz="1500"/>
+              <a:t>Oceans produce more than half of the oxygen we breathe and are home to countless species, many of which are yet to be discovered.</a:t>
+            </a:r>
+          </a:p>
+          <a:p>
+            <a:pPr>
+              <a:lnSpc>
+                <a:spcPct val="90000"/>
+              </a:lnSpc>
+            </a:pPr>
+            <a:r>
+              <a:rPr lang="en-GB" sz="1500"/>
+              <a:t>The fishing industry depends on oceans as a source of food and livelihood, making it critical for many coastal communities.</a:t>
+            </a:r>
+          </a:p>
+          <a:p>
+            <a:pPr>
+              <a:lnSpc>
+                <a:spcPct val="90000"/>
+              </a:lnSpc>
+            </a:pPr>
+            <a:r>
+              <a:rPr lang="en-GB" sz="1500"/>
+              <a:t>Oceans are also essential for global trade transportation, with around 80% of all trade goods transported by ships.</a:t>
+            </a:r>
+            <a:endParaRPr lang="en-NO" sz="1500"/>
+          </a:p>
+        </p:txBody>
+      </p:sp>
+    </p:spTree>
+    <p:extLst>
+      <p:ext uri="{BB962C8B-B14F-4D97-AF65-F5344CB8AC3E}">
+        <p14:creationId xmlns:p14="http://schemas.microsoft.com/office/powerpoint/2010/main" val="1981921535"/>
+      </p:ext>
+    </p:extLst>
+  </p:cSld>
+  <p:clrMapOvr>
+    <a:masterClrMapping/>
+  </p:clrMapOvr>
+</p:sld>
+</file>
+
+<file path=ppt/slides/slide5.xml><?xml version="1.0" encoding="utf-8"?>
+<p:sld xmlns:a="http://schemas.openxmlformats.org/drawingml/2006/main" xmlns:r="http://schemas.openxmlformats.org/officeDocument/2006/relationships" xmlns:p="http://schemas.openxmlformats.org/presentationml/2006/main">
+  <p:cSld>
+    <p:spTree>
+      <p:nvGrpSpPr>
+        <p:cNvPr id="1" name=""/>
+        <p:cNvGrpSpPr/>
+        <p:nvPr/>
+      </p:nvGrpSpPr>
+      <p:grpSpPr>
+        <a:xfrm>
+          <a:off x="0" y="0"/>
+          <a:ext cx="0" cy="0"/>
+          <a:chOff x="0" y="0"/>
+          <a:chExt cx="0" cy="0"/>
+        </a:xfrm>
+      </p:grpSpPr>
     </p:spTree>
     <p:extLst>
       <p:ext uri="{BB962C8B-B14F-4D97-AF65-F5344CB8AC3E}">
         <p14:creationId xmlns:p14="http://schemas.microsoft.com/office/powerpoint/2010/main" val="4218736845"/>
+      </p:ext>
+    </p:extLst>
+  </p:cSld>
+  <p:clrMapOvr>
+    <a:masterClrMapping/>
+  </p:clrMapOvr>
+</p:sld>
+</file>
+
+<file path=ppt/slides/slide6.xml><?xml version="1.0" encoding="utf-8"?>
+<p:sld xmlns:a="http://schemas.openxmlformats.org/drawingml/2006/main" xmlns:r="http://schemas.openxmlformats.org/officeDocument/2006/relationships" xmlns:p="http://schemas.openxmlformats.org/presentationml/2006/main">
+  <p:cSld>
+    <p:spTree>
+      <p:nvGrpSpPr>
+        <p:cNvPr id="1" name=""/>
+        <p:cNvGrpSpPr/>
+        <p:nvPr/>
+      </p:nvGrpSpPr>
+      <p:grpSpPr>
+        <a:xfrm>
+          <a:off x="0" y="0"/>
+          <a:ext cx="0" cy="0"/>
+          <a:chOff x="0" y="0"/>
+          <a:chExt cx="0" cy="0"/>
+        </a:xfrm>
+      </p:grpSpPr>
+      <p:sp>
+        <p:nvSpPr>
+          <p:cNvPr id="2" name="Title 1">
+            <a:extLst>
+              <a:ext uri="{FF2B5EF4-FFF2-40B4-BE49-F238E27FC236}">
+                <a16:creationId xmlns:a16="http://schemas.microsoft.com/office/drawing/2014/main" id="{9EA36206-F699-F0C9-02E0-EC033514805E}"/>
+              </a:ext>
+            </a:extLst>
+          </p:cNvPr>
+          <p:cNvSpPr>
+            <a:spLocks noGrp="1"/>
+          </p:cNvSpPr>
+          <p:nvPr>
+            <p:ph type="title"/>
+          </p:nvPr>
+        </p:nvSpPr>
+        <p:spPr>
+          <a:xfrm>
+            <a:off x="314320" y="205979"/>
+            <a:ext cx="8229600" cy="646331"/>
+          </a:xfrm>
+        </p:spPr>
+        <p:txBody>
+          <a:bodyPr anchor="t">
+            <a:normAutofit/>
+          </a:bodyPr>
+          <a:lstStyle/>
+          <a:p>
+            <a:pPr>
+              <a:lnSpc>
+                <a:spcPct val="90000"/>
+              </a:lnSpc>
+            </a:pPr>
+            <a:r>
+              <a:rPr lang="en-NO" sz="3100"/>
+              <a:t>Adaptive Sampling of River Plume Fronts</a:t>
+            </a:r>
+          </a:p>
+        </p:txBody>
+      </p:sp>
+      <p:pic>
+        <p:nvPicPr>
+          <p:cNvPr id="5" name="Content Placeholder 4" descr="El Malecón, Santo Domingo's Maritime Boulevard, alongside the Caribbean sea's waterfront. &#13;&#10;The Boulevard have the most exclusive hotels, several casinos, the complex Malecón Center, the Obelisk.&#13;&#10;Dominican Republic">
+            <a:extLst>
+              <a:ext uri="{FF2B5EF4-FFF2-40B4-BE49-F238E27FC236}">
+                <a16:creationId xmlns:a16="http://schemas.microsoft.com/office/drawing/2014/main" id="{F3A15927-9981-4BE6-A3AD-F20F716B3661}"/>
+              </a:ext>
+            </a:extLst>
+          </p:cNvPr>
+          <p:cNvPicPr>
+            <a:picLocks noGrp="1" noChangeAspect="1"/>
+          </p:cNvPicPr>
+          <p:nvPr>
+            <p:ph sz="half" idx="1"/>
+          </p:nvPr>
+        </p:nvPicPr>
+        <p:blipFill rotWithShape="1">
+          <a:blip r:embed="rId3"/>
+          <a:srcRect l="10768" r="1" b="1"/>
+          <a:stretch/>
+        </p:blipFill>
+        <p:spPr>
+          <a:xfrm>
+            <a:off x="457200" y="1200151"/>
+            <a:ext cx="4038600" cy="3394472"/>
+          </a:xfrm>
+          <a:noFill/>
+        </p:spPr>
+      </p:pic>
+      <p:sp>
+        <p:nvSpPr>
+          <p:cNvPr id="4" name="Content Placeholder 3">
+            <a:extLst>
+              <a:ext uri="{FF2B5EF4-FFF2-40B4-BE49-F238E27FC236}">
+                <a16:creationId xmlns:a16="http://schemas.microsoft.com/office/drawing/2014/main" id="{4467244D-7A0F-5DEF-4F75-324FA8989918}"/>
+              </a:ext>
+            </a:extLst>
+          </p:cNvPr>
+          <p:cNvSpPr>
+            <a:spLocks noGrp="1"/>
+          </p:cNvSpPr>
+          <p:nvPr>
+            <p:ph sz="half" idx="2"/>
+          </p:nvPr>
+        </p:nvSpPr>
+        <p:spPr>
+          <a:xfrm>
+            <a:off x="4648200" y="1200151"/>
+            <a:ext cx="4038600" cy="3394472"/>
+          </a:xfrm>
+        </p:spPr>
+        <p:txBody>
+          <a:bodyPr>
+            <a:normAutofit/>
+          </a:bodyPr>
+          <a:lstStyle/>
+          <a:p>
+            <a:pPr>
+              <a:lnSpc>
+                <a:spcPct val="90000"/>
+              </a:lnSpc>
+            </a:pPr>
+            <a:r>
+              <a:rPr lang="en-GB" sz="2200"/>
+              <a:t>River plume fronts can be studied through statistical modeling and autonomous path planning.</a:t>
+            </a:r>
+          </a:p>
+          <a:p>
+            <a:pPr>
+              <a:lnSpc>
+                <a:spcPct val="90000"/>
+              </a:lnSpc>
+            </a:pPr>
+            <a:r>
+              <a:rPr lang="en-GB" sz="2200"/>
+              <a:t>Adaptive sampling can enhance oceanographic exploration.</a:t>
+            </a:r>
+          </a:p>
+          <a:p>
+            <a:pPr>
+              <a:lnSpc>
+                <a:spcPct val="90000"/>
+              </a:lnSpc>
+            </a:pPr>
+            <a:r>
+              <a:rPr lang="en-GB" sz="2200"/>
+              <a:t>This slide shows an example of ocean fronts.</a:t>
+            </a:r>
+            <a:endParaRPr lang="en-NO" sz="2200"/>
+          </a:p>
+        </p:txBody>
+      </p:sp>
+    </p:spTree>
+    <p:extLst>
+      <p:ext uri="{BB962C8B-B14F-4D97-AF65-F5344CB8AC3E}">
+        <p14:creationId xmlns:p14="http://schemas.microsoft.com/office/powerpoint/2010/main" val="861047374"/>
       </p:ext>
     </p:extLst>
   </p:cSld>

--- a/presentation/slides/phd.pptx
+++ b/presentation/slides/phd.pptx
@@ -5,15 +5,17 @@
     <p:sldMasterId id="2147483648" r:id="rId1"/>
   </p:sldMasterIdLst>
   <p:notesMasterIdLst>
-    <p:notesMasterId r:id="rId8"/>
+    <p:notesMasterId r:id="rId10"/>
   </p:notesMasterIdLst>
   <p:sldIdLst>
     <p:sldId id="256" r:id="rId2"/>
     <p:sldId id="258" r:id="rId3"/>
     <p:sldId id="259" r:id="rId4"/>
     <p:sldId id="260" r:id="rId5"/>
-    <p:sldId id="257" r:id="rId6"/>
-    <p:sldId id="261" r:id="rId7"/>
+    <p:sldId id="262" r:id="rId6"/>
+    <p:sldId id="263" r:id="rId7"/>
+    <p:sldId id="257" r:id="rId8"/>
+    <p:sldId id="261" r:id="rId9"/>
   </p:sldIdLst>
   <p:sldSz cx="9144000" cy="5143500" type="screen16x9"/>
   <p:notesSz cx="6858000" cy="9144000"/>
@@ -121,6 +123,8 @@
             <p14:sldId id="258"/>
             <p14:sldId id="259"/>
             <p14:sldId id="260"/>
+            <p14:sldId id="262"/>
+            <p14:sldId id="263"/>
             <p14:sldId id="257"/>
             <p14:sldId id="261"/>
           </p14:sldIdLst>
@@ -227,7 +231,7 @@
           <a:p>
             <a:fld id="{E5B84350-0474-7241-AC56-ADCC56DF708A}" type="datetimeFigureOut">
               <a:rPr lang="en-NO" smtClean="0"/>
-              <a:t>26/04/2024</a:t>
+              <a:t>27/04/2024</a:t>
             </a:fld>
             <a:endParaRPr lang="en-NO"/>
           </a:p>
@@ -734,7 +738,7 @@
           <a:p>
             <a:fld id="{E62788E2-7A01-D94F-A69A-99201CD12588}" type="slidenum">
               <a:rPr lang="en-NO" smtClean="0"/>
-              <a:t>6</a:t>
+              <a:t>8</a:t>
             </a:fld>
             <a:endParaRPr lang="en-NO"/>
           </a:p>
@@ -4196,6 +4200,161 @@
           <a:chExt cx="0" cy="0"/>
         </a:xfrm>
       </p:grpSpPr>
+      <p:sp>
+        <p:nvSpPr>
+          <p:cNvPr id="2" name="Content Placeholder 1">
+            <a:extLst>
+              <a:ext uri="{FF2B5EF4-FFF2-40B4-BE49-F238E27FC236}">
+                <a16:creationId xmlns:a16="http://schemas.microsoft.com/office/drawing/2014/main" id="{DE7BBD1B-F3C4-A17E-D38D-D42732F02453}"/>
+              </a:ext>
+            </a:extLst>
+          </p:cNvPr>
+          <p:cNvSpPr>
+            <a:spLocks noGrp="1"/>
+          </p:cNvSpPr>
+          <p:nvPr>
+            <p:ph idx="1"/>
+          </p:nvPr>
+        </p:nvSpPr>
+        <p:spPr/>
+        <p:txBody>
+          <a:bodyPr/>
+          <a:lstStyle/>
+          <a:p>
+            <a:r>
+              <a:rPr lang="en-GB" dirty="0">
+                <a:solidFill>
+                  <a:srgbClr val="000000"/>
+                </a:solidFill>
+                <a:effectLst/>
+                <a:latin typeface="Helvetica Neue" panose="02000503000000020004" pitchFamily="2" charset="0"/>
+              </a:rPr>
+              <a:t>It is a major heat reservoir, influencing weather patterns and moderating temperatures around the world (Rhein et al. 2013).</a:t>
+            </a:r>
+          </a:p>
+          <a:p>
+            <a:endParaRPr lang="en-NO" dirty="0"/>
+          </a:p>
+        </p:txBody>
+      </p:sp>
+      <p:sp>
+        <p:nvSpPr>
+          <p:cNvPr id="3" name="Title 2">
+            <a:extLst>
+              <a:ext uri="{FF2B5EF4-FFF2-40B4-BE49-F238E27FC236}">
+                <a16:creationId xmlns:a16="http://schemas.microsoft.com/office/drawing/2014/main" id="{8E16ABC7-D770-6121-D72A-F9EB682B2075}"/>
+              </a:ext>
+            </a:extLst>
+          </p:cNvPr>
+          <p:cNvSpPr>
+            <a:spLocks noGrp="1"/>
+          </p:cNvSpPr>
+          <p:nvPr>
+            <p:ph type="title"/>
+          </p:nvPr>
+        </p:nvSpPr>
+        <p:spPr/>
+        <p:txBody>
+          <a:bodyPr/>
+          <a:lstStyle/>
+          <a:p>
+            <a:r>
+              <a:rPr lang="en-NO" dirty="0"/>
+              <a:t>Ocean as a heat reservoir</a:t>
+            </a:r>
+          </a:p>
+        </p:txBody>
+      </p:sp>
+      <p:pic>
+        <p:nvPicPr>
+          <p:cNvPr id="4" name="Picture 3" descr="Cartoon earth holding a thermometer in a wave&#10;&#10;Description automatically generated">
+            <a:extLst>
+              <a:ext uri="{FF2B5EF4-FFF2-40B4-BE49-F238E27FC236}">
+                <a16:creationId xmlns:a16="http://schemas.microsoft.com/office/drawing/2014/main" id="{C00B471C-BBE4-7658-C5FE-451533D5E910}"/>
+              </a:ext>
+            </a:extLst>
+          </p:cNvPr>
+          <p:cNvPicPr>
+            <a:picLocks noChangeAspect="1"/>
+          </p:cNvPicPr>
+          <p:nvPr/>
+        </p:nvPicPr>
+        <p:blipFill>
+          <a:blip r:embed="rId2"/>
+          <a:stretch>
+            <a:fillRect/>
+          </a:stretch>
+        </p:blipFill>
+        <p:spPr>
+          <a:xfrm>
+            <a:off x="523572" y="951190"/>
+            <a:ext cx="3241120" cy="3241120"/>
+          </a:xfrm>
+          <a:prstGeom prst="rect">
+            <a:avLst/>
+          </a:prstGeom>
+        </p:spPr>
+      </p:pic>
+    </p:spTree>
+    <p:extLst>
+      <p:ext uri="{BB962C8B-B14F-4D97-AF65-F5344CB8AC3E}">
+        <p14:creationId xmlns:p14="http://schemas.microsoft.com/office/powerpoint/2010/main" val="3621400343"/>
+      </p:ext>
+    </p:extLst>
+  </p:cSld>
+  <p:clrMapOvr>
+    <a:masterClrMapping/>
+  </p:clrMapOvr>
+</p:sld>
+</file>
+
+<file path=ppt/slides/slide6.xml><?xml version="1.0" encoding="utf-8"?>
+<p:sld xmlns:a="http://schemas.openxmlformats.org/drawingml/2006/main" xmlns:r="http://schemas.openxmlformats.org/officeDocument/2006/relationships" xmlns:p="http://schemas.openxmlformats.org/presentationml/2006/main">
+  <p:cSld>
+    <p:spTree>
+      <p:nvGrpSpPr>
+        <p:cNvPr id="1" name=""/>
+        <p:cNvGrpSpPr/>
+        <p:nvPr/>
+      </p:nvGrpSpPr>
+      <p:grpSpPr>
+        <a:xfrm>
+          <a:off x="0" y="0"/>
+          <a:ext cx="0" cy="0"/>
+          <a:chOff x="0" y="0"/>
+          <a:chExt cx="0" cy="0"/>
+        </a:xfrm>
+      </p:grpSpPr>
+    </p:spTree>
+    <p:extLst>
+      <p:ext uri="{BB962C8B-B14F-4D97-AF65-F5344CB8AC3E}">
+        <p14:creationId xmlns:p14="http://schemas.microsoft.com/office/powerpoint/2010/main" val="3904820106"/>
+      </p:ext>
+    </p:extLst>
+  </p:cSld>
+  <p:clrMapOvr>
+    <a:masterClrMapping/>
+  </p:clrMapOvr>
+</p:sld>
+</file>
+
+<file path=ppt/slides/slide7.xml><?xml version="1.0" encoding="utf-8"?>
+<p:sld xmlns:a="http://schemas.openxmlformats.org/drawingml/2006/main" xmlns:r="http://schemas.openxmlformats.org/officeDocument/2006/relationships" xmlns:p="http://schemas.openxmlformats.org/presentationml/2006/main">
+  <p:cSld>
+    <p:spTree>
+      <p:nvGrpSpPr>
+        <p:cNvPr id="1" name=""/>
+        <p:cNvGrpSpPr/>
+        <p:nvPr/>
+      </p:nvGrpSpPr>
+      <p:grpSpPr>
+        <a:xfrm>
+          <a:off x="0" y="0"/>
+          <a:ext cx="0" cy="0"/>
+          <a:chOff x="0" y="0"/>
+          <a:chExt cx="0" cy="0"/>
+        </a:xfrm>
+      </p:grpSpPr>
     </p:spTree>
     <p:extLst>
       <p:ext uri="{BB962C8B-B14F-4D97-AF65-F5344CB8AC3E}">
@@ -4209,7 +4368,7 @@
 </p:sld>
 </file>
 
-<file path=ppt/slides/slide6.xml><?xml version="1.0" encoding="utf-8"?>
+<file path=ppt/slides/slide8.xml><?xml version="1.0" encoding="utf-8"?>
 <p:sld xmlns:a="http://schemas.openxmlformats.org/drawingml/2006/main" xmlns:r="http://schemas.openxmlformats.org/officeDocument/2006/relationships" xmlns:p="http://schemas.openxmlformats.org/presentationml/2006/main">
   <p:cSld>
     <p:spTree>

--- a/presentation/slides/phd.pptx
+++ b/presentation/slides/phd.pptx
@@ -5,17 +5,20 @@
     <p:sldMasterId id="2147483648" r:id="rId1"/>
   </p:sldMasterIdLst>
   <p:notesMasterIdLst>
-    <p:notesMasterId r:id="rId10"/>
+    <p:notesMasterId r:id="rId13"/>
   </p:notesMasterIdLst>
   <p:sldIdLst>
     <p:sldId id="256" r:id="rId2"/>
-    <p:sldId id="258" r:id="rId3"/>
-    <p:sldId id="259" r:id="rId4"/>
-    <p:sldId id="260" r:id="rId5"/>
-    <p:sldId id="262" r:id="rId6"/>
-    <p:sldId id="263" r:id="rId7"/>
-    <p:sldId id="257" r:id="rId8"/>
-    <p:sldId id="261" r:id="rId9"/>
+    <p:sldId id="260" r:id="rId3"/>
+    <p:sldId id="258" r:id="rId4"/>
+    <p:sldId id="259" r:id="rId5"/>
+    <p:sldId id="264" r:id="rId6"/>
+    <p:sldId id="265" r:id="rId7"/>
+    <p:sldId id="266" r:id="rId8"/>
+    <p:sldId id="267" r:id="rId9"/>
+    <p:sldId id="268" r:id="rId10"/>
+    <p:sldId id="269" r:id="rId11"/>
+    <p:sldId id="270" r:id="rId12"/>
   </p:sldIdLst>
   <p:sldSz cx="9144000" cy="5143500" type="screen16x9"/>
   <p:notesSz cx="6858000" cy="9144000"/>
@@ -120,13 +123,16 @@
         <p14:section name="Introduction" id="{673F1B9F-02B2-4773-8550-8E1906F8FA59}">
           <p14:sldIdLst>
             <p14:sldId id="256"/>
+            <p14:sldId id="260"/>
             <p14:sldId id="258"/>
             <p14:sldId id="259"/>
-            <p14:sldId id="260"/>
-            <p14:sldId id="262"/>
-            <p14:sldId id="263"/>
-            <p14:sldId id="257"/>
-            <p14:sldId id="261"/>
+            <p14:sldId id="264"/>
+            <p14:sldId id="265"/>
+            <p14:sldId id="266"/>
+            <p14:sldId id="267"/>
+            <p14:sldId id="268"/>
+            <p14:sldId id="269"/>
+            <p14:sldId id="270"/>
           </p14:sldIdLst>
         </p14:section>
       </p14:sectionLst>
@@ -231,7 +237,7 @@
           <a:p>
             <a:fld id="{E5B84350-0474-7241-AC56-ADCC56DF708A}" type="datetimeFigureOut">
               <a:rPr lang="en-NO" smtClean="0"/>
-              <a:t>27/04/2024</a:t>
+              <a:t>05/05/2024</a:t>
             </a:fld>
             <a:endParaRPr lang="en-NO"/>
           </a:p>
@@ -651,7 +657,7 @@
           <a:p>
             <a:fld id="{E62788E2-7A01-D94F-A69A-99201CD12588}" type="slidenum">
               <a:rPr lang="en-NO" smtClean="0"/>
-              <a:t>4</a:t>
+              <a:t>2</a:t>
             </a:fld>
             <a:endParaRPr lang="en-NO"/>
           </a:p>
@@ -661,93 +667,6 @@
     <p:extLst>
       <p:ext uri="{BB962C8B-B14F-4D97-AF65-F5344CB8AC3E}">
         <p14:creationId xmlns:p14="http://schemas.microsoft.com/office/powerpoint/2010/main" val="2291914863"/>
-      </p:ext>
-    </p:extLst>
-  </p:cSld>
-  <p:clrMapOvr>
-    <a:masterClrMapping/>
-  </p:clrMapOvr>
-</p:notes>
-</file>
-
-<file path=ppt/notesSlides/notesSlide3.xml><?xml version="1.0" encoding="utf-8"?>
-<p:notes xmlns:a="http://schemas.openxmlformats.org/drawingml/2006/main" xmlns:r="http://schemas.openxmlformats.org/officeDocument/2006/relationships" xmlns:p="http://schemas.openxmlformats.org/presentationml/2006/main">
-  <p:cSld>
-    <p:spTree>
-      <p:nvGrpSpPr>
-        <p:cNvPr id="1" name=""/>
-        <p:cNvGrpSpPr/>
-        <p:nvPr/>
-      </p:nvGrpSpPr>
-      <p:grpSpPr>
-        <a:xfrm>
-          <a:off x="0" y="0"/>
-          <a:ext cx="0" cy="0"/>
-          <a:chOff x="0" y="0"/>
-          <a:chExt cx="0" cy="0"/>
-        </a:xfrm>
-      </p:grpSpPr>
-      <p:sp>
-        <p:nvSpPr>
-          <p:cNvPr id="2" name="Slide Image Placeholder 1"/>
-          <p:cNvSpPr>
-            <a:spLocks noGrp="1" noRot="1" noChangeAspect="1"/>
-          </p:cNvSpPr>
-          <p:nvPr>
-            <p:ph type="sldImg"/>
-          </p:nvPr>
-        </p:nvSpPr>
-        <p:spPr/>
-      </p:sp>
-      <p:sp>
-        <p:nvSpPr>
-          <p:cNvPr id="3" name="Notes Placeholder 2"/>
-          <p:cNvSpPr>
-            <a:spLocks noGrp="1"/>
-          </p:cNvSpPr>
-          <p:nvPr>
-            <p:ph type="body" idx="1"/>
-          </p:nvPr>
-        </p:nvSpPr>
-        <p:spPr/>
-        <p:txBody>
-          <a:bodyPr/>
-          <a:lstStyle/>
-          <a:p>
-            <a:r>
-              <a:rPr lang="en-NO"/>
-              <a:t>An ocean front is the boundary between two different water masses, and typically has sharp gradients in temperature, salinity, and other properties. River plume fronts are important for many reasons, including for example, their impact on coastal ecosystems and the transport of pollutants. By using adaptive sampling and autonomous path planning, we can better study these important features of our oceans.</a:t>
-            </a:r>
-          </a:p>
-        </p:txBody>
-      </p:sp>
-      <p:sp>
-        <p:nvSpPr>
-          <p:cNvPr id="4" name="Slide Number Placeholder 3"/>
-          <p:cNvSpPr>
-            <a:spLocks noGrp="1"/>
-          </p:cNvSpPr>
-          <p:nvPr>
-            <p:ph type="sldNum" sz="quarter" idx="5"/>
-          </p:nvPr>
-        </p:nvSpPr>
-        <p:spPr/>
-        <p:txBody>
-          <a:bodyPr/>
-          <a:lstStyle/>
-          <a:p>
-            <a:fld id="{E62788E2-7A01-D94F-A69A-99201CD12588}" type="slidenum">
-              <a:rPr lang="en-NO" smtClean="0"/>
-              <a:t>8</a:t>
-            </a:fld>
-            <a:endParaRPr lang="en-NO"/>
-          </a:p>
-        </p:txBody>
-      </p:sp>
-    </p:spTree>
-    <p:extLst>
-      <p:ext uri="{BB962C8B-B14F-4D97-AF65-F5344CB8AC3E}">
-        <p14:creationId xmlns:p14="http://schemas.microsoft.com/office/powerpoint/2010/main" val="3606122724"/>
       </p:ext>
     </p:extLst>
   </p:cSld>
@@ -3485,7 +3404,7 @@
         <p:spPr>
           <a:xfrm>
             <a:off x="514954" y="1707334"/>
-            <a:ext cx="8114088" cy="1200329"/>
+            <a:ext cx="8114088" cy="461665"/>
           </a:xfrm>
         </p:spPr>
         <p:txBody>
@@ -3498,7 +3417,7 @@
                   <a:schemeClr val="bg1"/>
                 </a:solidFill>
               </a:rPr>
-              <a:t>Adaptive Sampling of River Plume Fronts: Integrating Statistical Modeling and Autonomous Path Planning for Enhanced Oceanographic Exploration. </a:t>
+              <a:t>Adaptive sampling of ocean fronts with multiple AUVs</a:t>
             </a:r>
           </a:p>
         </p:txBody>
@@ -3521,17 +3440,17 @@
         </p:nvSpPr>
         <p:spPr>
           <a:xfrm>
-            <a:off x="514953" y="3331490"/>
-            <a:ext cx="8114089" cy="1283507"/>
+            <a:off x="514953" y="2376945"/>
+            <a:ext cx="8114089" cy="2555663"/>
           </a:xfrm>
         </p:spPr>
         <p:txBody>
           <a:bodyPr>
-            <a:normAutofit fontScale="47500" lnSpcReduction="20000"/>
+            <a:normAutofit fontScale="77500" lnSpcReduction="20000"/>
           </a:bodyPr>
           <a:lstStyle/>
           <a:p>
-            <a:pPr>
+            <a:pPr algn="ctr">
               <a:lnSpc>
                 <a:spcPct val="170000"/>
               </a:lnSpc>
@@ -3544,11 +3463,11 @@
                   </a:schemeClr>
                 </a:solidFill>
               </a:rPr>
-              <a:t>Candidate: Yaolin Ge </a:t>
-            </a:r>
-          </a:p>
-          <a:p>
-            <a:pPr>
+              <a:t>Ph.D. Candidate: Yaolin Ge </a:t>
+            </a:r>
+          </a:p>
+          <a:p>
+            <a:pPr algn="ctr">
               <a:lnSpc>
                 <a:spcPct val="170000"/>
               </a:lnSpc>
@@ -3613,6 +3532,20 @@
               </a:rPr>
               <a:t>Fuglstad</a:t>
             </a:r>
+            <a:endParaRPr lang="en-US" dirty="0">
+              <a:solidFill>
+                <a:schemeClr val="bg1">
+                  <a:lumMod val="85000"/>
+                </a:schemeClr>
+              </a:solidFill>
+            </a:endParaRPr>
+          </a:p>
+          <a:p>
+            <a:pPr algn="ctr">
+              <a:lnSpc>
+                <a:spcPct val="170000"/>
+              </a:lnSpc>
+            </a:pPr>
             <a:r>
               <a:rPr lang="en-US" dirty="0">
                 <a:solidFill>
@@ -3621,18 +3554,15 @@
                   </a:schemeClr>
                 </a:solidFill>
               </a:rPr>
-              <a:t>, </a:t>
-            </a:r>
-            <a:r>
-              <a:rPr lang="en-US" dirty="0" err="1">
-                <a:solidFill>
-                  <a:schemeClr val="bg1">
-                    <a:lumMod val="85000"/>
-                  </a:schemeClr>
-                </a:solidFill>
-              </a:rPr>
-              <a:t>Kanna</a:t>
-            </a:r>
+              <a:t>Date of the trial lecture: 2024-05-08</a:t>
+            </a:r>
+          </a:p>
+          <a:p>
+            <a:pPr algn="ctr">
+              <a:lnSpc>
+                <a:spcPct val="170000"/>
+              </a:lnSpc>
+            </a:pPr>
             <a:r>
               <a:rPr lang="en-US" dirty="0">
                 <a:solidFill>
@@ -3641,28 +3571,11 @@
                   </a:schemeClr>
                 </a:solidFill>
               </a:rPr>
-              <a:t> </a:t>
-            </a:r>
-            <a:r>
-              <a:rPr lang="en-US" dirty="0" err="1">
-                <a:solidFill>
-                  <a:schemeClr val="bg1">
-                    <a:lumMod val="85000"/>
-                  </a:schemeClr>
-                </a:solidFill>
-              </a:rPr>
-              <a:t>Rajan</a:t>
-            </a:r>
-            <a:endParaRPr lang="en-US" dirty="0">
-              <a:solidFill>
-                <a:schemeClr val="bg1">
-                  <a:lumMod val="85000"/>
-                </a:schemeClr>
-              </a:solidFill>
-            </a:endParaRPr>
-          </a:p>
-          <a:p>
-            <a:pPr>
+              <a:t>Department of Mathematical Sciences</a:t>
+            </a:r>
+          </a:p>
+          <a:p>
+            <a:pPr algn="ctr">
               <a:lnSpc>
                 <a:spcPct val="170000"/>
               </a:lnSpc>
@@ -3675,28 +3588,11 @@
                   </a:schemeClr>
                 </a:solidFill>
               </a:rPr>
-              <a:t>Date of the defense: 2024-05-08</a:t>
-            </a:r>
-          </a:p>
-          <a:p>
-            <a:pPr>
-              <a:lnSpc>
-                <a:spcPct val="170000"/>
-              </a:lnSpc>
-            </a:pPr>
-            <a:r>
-              <a:rPr lang="en-US" dirty="0">
-                <a:solidFill>
-                  <a:schemeClr val="bg1">
-                    <a:lumMod val="85000"/>
-                  </a:schemeClr>
-                </a:solidFill>
-              </a:rPr>
-              <a:t>Department of Mathematical Sciences, Faculty of Information Technology and Electrical Engineering</a:t>
-            </a:r>
-          </a:p>
-          <a:p>
-            <a:pPr>
+              <a:t>Faculty of Information Technology and Electrical Engineering</a:t>
+            </a:r>
+          </a:p>
+          <a:p>
+            <a:pPr algn="ctr">
               <a:lnSpc>
                 <a:spcPct val="170000"/>
               </a:lnSpc>
@@ -3792,7 +3688,7 @@
                   <a:schemeClr val="bg1"/>
                 </a:solidFill>
               </a:rPr>
-              <a:t>Doctoral Thesis Defense</a:t>
+              <a:t>Trial lecture</a:t>
             </a:r>
           </a:p>
         </p:txBody>
@@ -3801,6 +3697,233 @@
     <p:extLst>
       <p:ext uri="{BB962C8B-B14F-4D97-AF65-F5344CB8AC3E}">
         <p14:creationId xmlns:p14="http://schemas.microsoft.com/office/powerpoint/2010/main" val="3243102052"/>
+      </p:ext>
+    </p:extLst>
+  </p:cSld>
+  <p:clrMapOvr>
+    <a:masterClrMapping/>
+  </p:clrMapOvr>
+</p:sld>
+</file>
+
+<file path=ppt/slides/slide10.xml><?xml version="1.0" encoding="utf-8"?>
+<p:sld xmlns:a="http://schemas.openxmlformats.org/drawingml/2006/main" xmlns:r="http://schemas.openxmlformats.org/officeDocument/2006/relationships" xmlns:p="http://schemas.openxmlformats.org/presentationml/2006/main">
+  <p:cSld>
+    <p:spTree>
+      <p:nvGrpSpPr>
+        <p:cNvPr id="1" name=""/>
+        <p:cNvGrpSpPr/>
+        <p:nvPr/>
+      </p:nvGrpSpPr>
+      <p:grpSpPr>
+        <a:xfrm>
+          <a:off x="0" y="0"/>
+          <a:ext cx="0" cy="0"/>
+          <a:chOff x="0" y="0"/>
+          <a:chExt cx="0" cy="0"/>
+        </a:xfrm>
+      </p:grpSpPr>
+      <p:sp>
+        <p:nvSpPr>
+          <p:cNvPr id="2" name="Content Placeholder 1">
+            <a:extLst>
+              <a:ext uri="{FF2B5EF4-FFF2-40B4-BE49-F238E27FC236}">
+                <a16:creationId xmlns:a16="http://schemas.microsoft.com/office/drawing/2014/main" id="{C1781F73-571D-29C3-6404-E4D24D9A2DB1}"/>
+              </a:ext>
+            </a:extLst>
+          </p:cNvPr>
+          <p:cNvSpPr>
+            <a:spLocks noGrp="1"/>
+          </p:cNvSpPr>
+          <p:nvPr>
+            <p:ph idx="1"/>
+          </p:nvPr>
+        </p:nvSpPr>
+        <p:spPr/>
+        <p:txBody>
+          <a:bodyPr/>
+          <a:lstStyle/>
+          <a:p>
+            <a:r>
+              <a:rPr lang="en-GB" dirty="0"/>
+              <a:t>I</a:t>
+            </a:r>
+            <a:r>
+              <a:rPr lang="en-NO" dirty="0"/>
+              <a:t>mprovements in AUV hardware and software</a:t>
+            </a:r>
+          </a:p>
+          <a:p>
+            <a:r>
+              <a:rPr lang="en-GB" dirty="0"/>
+              <a:t>E</a:t>
+            </a:r>
+            <a:r>
+              <a:rPr lang="en-NO" dirty="0"/>
+              <a:t>nhanced communication and sensing capabilities</a:t>
+            </a:r>
+          </a:p>
+          <a:p>
+            <a:r>
+              <a:rPr lang="en-GB" dirty="0"/>
+              <a:t>M</a:t>
+            </a:r>
+            <a:r>
+              <a:rPr lang="en-NO" dirty="0"/>
+              <a:t>achine learning for better adaptive sampling </a:t>
+            </a:r>
+          </a:p>
+          <a:p>
+            <a:r>
+              <a:rPr lang="en-GB" dirty="0"/>
+              <a:t>I</a:t>
+            </a:r>
+            <a:r>
+              <a:rPr lang="en-NO" dirty="0"/>
+              <a:t>ntegrating big data sources such as AIS, satellite, buoys etc. </a:t>
+            </a:r>
+          </a:p>
+          <a:p>
+            <a:endParaRPr lang="en-NO" dirty="0"/>
+          </a:p>
+        </p:txBody>
+      </p:sp>
+      <p:sp>
+        <p:nvSpPr>
+          <p:cNvPr id="3" name="Title 2">
+            <a:extLst>
+              <a:ext uri="{FF2B5EF4-FFF2-40B4-BE49-F238E27FC236}">
+                <a16:creationId xmlns:a16="http://schemas.microsoft.com/office/drawing/2014/main" id="{35E0046B-4076-27DA-A89A-CC8DB1F67C91}"/>
+              </a:ext>
+            </a:extLst>
+          </p:cNvPr>
+          <p:cNvSpPr>
+            <a:spLocks noGrp="1"/>
+          </p:cNvSpPr>
+          <p:nvPr>
+            <p:ph type="title"/>
+          </p:nvPr>
+        </p:nvSpPr>
+        <p:spPr/>
+        <p:txBody>
+          <a:bodyPr/>
+          <a:lstStyle/>
+          <a:p>
+            <a:r>
+              <a:rPr lang="en-NO" dirty="0"/>
+              <a:t>Future work</a:t>
+            </a:r>
+          </a:p>
+        </p:txBody>
+      </p:sp>
+    </p:spTree>
+    <p:extLst>
+      <p:ext uri="{BB962C8B-B14F-4D97-AF65-F5344CB8AC3E}">
+        <p14:creationId xmlns:p14="http://schemas.microsoft.com/office/powerpoint/2010/main" val="1705817327"/>
+      </p:ext>
+    </p:extLst>
+  </p:cSld>
+  <p:clrMapOvr>
+    <a:masterClrMapping/>
+  </p:clrMapOvr>
+</p:sld>
+</file>
+
+<file path=ppt/slides/slide11.xml><?xml version="1.0" encoding="utf-8"?>
+<p:sld xmlns:a="http://schemas.openxmlformats.org/drawingml/2006/main" xmlns:r="http://schemas.openxmlformats.org/officeDocument/2006/relationships" xmlns:p="http://schemas.openxmlformats.org/presentationml/2006/main">
+  <p:cSld>
+    <p:spTree>
+      <p:nvGrpSpPr>
+        <p:cNvPr id="1" name=""/>
+        <p:cNvGrpSpPr/>
+        <p:nvPr/>
+      </p:nvGrpSpPr>
+      <p:grpSpPr>
+        <a:xfrm>
+          <a:off x="0" y="0"/>
+          <a:ext cx="0" cy="0"/>
+          <a:chOff x="0" y="0"/>
+          <a:chExt cx="0" cy="0"/>
+        </a:xfrm>
+      </p:grpSpPr>
+      <p:sp>
+        <p:nvSpPr>
+          <p:cNvPr id="2" name="Content Placeholder 1">
+            <a:extLst>
+              <a:ext uri="{FF2B5EF4-FFF2-40B4-BE49-F238E27FC236}">
+                <a16:creationId xmlns:a16="http://schemas.microsoft.com/office/drawing/2014/main" id="{B5E42D82-89FA-EE94-B4D9-7EE83874BE74}"/>
+              </a:ext>
+            </a:extLst>
+          </p:cNvPr>
+          <p:cNvSpPr>
+            <a:spLocks noGrp="1"/>
+          </p:cNvSpPr>
+          <p:nvPr>
+            <p:ph idx="1"/>
+          </p:nvPr>
+        </p:nvSpPr>
+        <p:spPr/>
+        <p:txBody>
+          <a:bodyPr/>
+          <a:lstStyle/>
+          <a:p>
+            <a:r>
+              <a:rPr lang="en-NO" dirty="0"/>
+              <a:t>Oceanfronts are important for us</a:t>
+            </a:r>
+          </a:p>
+          <a:p>
+            <a:r>
+              <a:rPr lang="en-NO" dirty="0"/>
+              <a:t>AUVs are flexibles to solve this problem</a:t>
+            </a:r>
+          </a:p>
+          <a:p>
+            <a:r>
+              <a:rPr lang="en-NO" dirty="0"/>
+              <a:t>More AUV can help in certain ways, but its associated technical difficulty can be daunting to scale for now</a:t>
+            </a:r>
+          </a:p>
+          <a:p>
+            <a:r>
+              <a:rPr lang="en-NO"/>
+              <a:t>AI can be a potential game changer</a:t>
+            </a:r>
+          </a:p>
+        </p:txBody>
+      </p:sp>
+      <p:sp>
+        <p:nvSpPr>
+          <p:cNvPr id="3" name="Title 2">
+            <a:extLst>
+              <a:ext uri="{FF2B5EF4-FFF2-40B4-BE49-F238E27FC236}">
+                <a16:creationId xmlns:a16="http://schemas.microsoft.com/office/drawing/2014/main" id="{80929FD7-D108-6DAA-E6BD-D12DDBC7D59F}"/>
+              </a:ext>
+            </a:extLst>
+          </p:cNvPr>
+          <p:cNvSpPr>
+            <a:spLocks noGrp="1"/>
+          </p:cNvSpPr>
+          <p:nvPr>
+            <p:ph type="title"/>
+          </p:nvPr>
+        </p:nvSpPr>
+        <p:spPr/>
+        <p:txBody>
+          <a:bodyPr/>
+          <a:lstStyle/>
+          <a:p>
+            <a:r>
+              <a:rPr lang="en-NO" dirty="0"/>
+              <a:t>Conclusion</a:t>
+            </a:r>
+          </a:p>
+        </p:txBody>
+      </p:sp>
+    </p:spTree>
+    <p:extLst>
+      <p:ext uri="{BB962C8B-B14F-4D97-AF65-F5344CB8AC3E}">
+        <p14:creationId xmlns:p14="http://schemas.microsoft.com/office/powerpoint/2010/main" val="1522968144"/>
       </p:ext>
     </p:extLst>
   </p:cSld>
@@ -3829,10 +3952,10 @@
       </p:grpSpPr>
       <p:sp>
         <p:nvSpPr>
-          <p:cNvPr id="2" name="Content Placeholder 1">
+          <p:cNvPr id="2" name="Title 1">
             <a:extLst>
               <a:ext uri="{FF2B5EF4-FFF2-40B4-BE49-F238E27FC236}">
-                <a16:creationId xmlns:a16="http://schemas.microsoft.com/office/drawing/2014/main" id="{8E94562E-CD43-5FFA-00B3-EAB6A838C702}"/>
+                <a16:creationId xmlns:a16="http://schemas.microsoft.com/office/drawing/2014/main" id="{4DA7DCAF-6265-EB34-47A5-2EAF5C55632A}"/>
               </a:ext>
             </a:extLst>
           </p:cNvPr>
@@ -3840,87 +3963,140 @@
             <a:spLocks noGrp="1"/>
           </p:cNvSpPr>
           <p:nvPr>
-            <p:ph idx="1"/>
-          </p:nvPr>
-        </p:nvSpPr>
-        <p:spPr/>
-        <p:txBody>
-          <a:bodyPr/>
+            <p:ph type="title"/>
+          </p:nvPr>
+        </p:nvSpPr>
+        <p:spPr>
+          <a:xfrm>
+            <a:off x="314320" y="205979"/>
+            <a:ext cx="8229600" cy="646331"/>
+          </a:xfrm>
+        </p:spPr>
+        <p:txBody>
+          <a:bodyPr anchor="t">
+            <a:normAutofit/>
+          </a:bodyPr>
           <a:lstStyle/>
           <a:p>
-            <a:r>
-              <a:rPr lang="en-NO" dirty="0"/>
-              <a:t>Introduction</a:t>
-            </a:r>
-          </a:p>
-          <a:p>
-            <a:r>
-              <a:rPr lang="en-NO" dirty="0"/>
-              <a:t>Research questions</a:t>
-            </a:r>
-          </a:p>
-          <a:p>
-            <a:r>
-              <a:rPr lang="en-GB" dirty="0"/>
-              <a:t>O</a:t>
-            </a:r>
-            <a:r>
-              <a:rPr lang="en-NO" dirty="0"/>
-              <a:t>ur approach</a:t>
-            </a:r>
-          </a:p>
-          <a:p>
-            <a:r>
-              <a:rPr lang="en-NO" dirty="0"/>
-              <a:t>Validation and testing</a:t>
-            </a:r>
-          </a:p>
-          <a:p>
-            <a:r>
-              <a:rPr lang="en-NO" dirty="0"/>
-              <a:t>Remarks</a:t>
-            </a:r>
-          </a:p>
-          <a:p>
-            <a:r>
-              <a:rPr lang="en-NO" dirty="0"/>
-              <a:t>Conclusion</a:t>
-            </a:r>
-          </a:p>
-        </p:txBody>
-      </p:sp>
-      <p:sp>
-        <p:nvSpPr>
-          <p:cNvPr id="3" name="Title 2">
+            <a:pPr>
+              <a:lnSpc>
+                <a:spcPct val="90000"/>
+              </a:lnSpc>
+            </a:pPr>
+            <a:r>
+              <a:rPr lang="en-NO" sz="2800"/>
+              <a:t>The Importance of Oceans in Our Daily Life</a:t>
+            </a:r>
+          </a:p>
+        </p:txBody>
+      </p:sp>
+      <p:pic>
+        <p:nvPicPr>
+          <p:cNvPr id="5" name="Content Placeholder 4" descr="High angle view of the sea">
             <a:extLst>
               <a:ext uri="{FF2B5EF4-FFF2-40B4-BE49-F238E27FC236}">
-                <a16:creationId xmlns:a16="http://schemas.microsoft.com/office/drawing/2014/main" id="{A9C9F336-DAE6-7273-5084-FDF58D6A5E11}"/>
+                <a16:creationId xmlns:a16="http://schemas.microsoft.com/office/drawing/2014/main" id="{E7F964F8-F631-4F7C-A714-3958B1BCCCC8}"/>
               </a:ext>
             </a:extLst>
           </p:cNvPr>
-          <p:cNvSpPr>
-            <a:spLocks noGrp="1"/>
-          </p:cNvSpPr>
-          <p:nvPr>
-            <p:ph type="title"/>
-          </p:nvPr>
-        </p:nvSpPr>
-        <p:spPr/>
-        <p:txBody>
-          <a:bodyPr/>
+          <p:cNvPicPr>
+            <a:picLocks noGrp="1" noChangeAspect="1"/>
+          </p:cNvPicPr>
+          <p:nvPr>
+            <p:ph sz="half" idx="1"/>
+          </p:nvPr>
+        </p:nvPicPr>
+        <p:blipFill rotWithShape="1">
+          <a:blip r:embed="rId3"/>
+          <a:srcRect l="866" r="19716" b="-3"/>
+          <a:stretch/>
+        </p:blipFill>
+        <p:spPr>
+          <a:xfrm>
+            <a:off x="457200" y="1200151"/>
+            <a:ext cx="4038600" cy="3394472"/>
+          </a:xfrm>
+          <a:noFill/>
+        </p:spPr>
+      </p:pic>
+      <p:sp>
+        <p:nvSpPr>
+          <p:cNvPr id="4" name="Content Placeholder 3">
+            <a:extLst>
+              <a:ext uri="{FF2B5EF4-FFF2-40B4-BE49-F238E27FC236}">
+                <a16:creationId xmlns:a16="http://schemas.microsoft.com/office/drawing/2014/main" id="{BC736B99-A25C-EC19-0DDA-0E81401D6148}"/>
+              </a:ext>
+            </a:extLst>
+          </p:cNvPr>
+          <p:cNvSpPr>
+            <a:spLocks noGrp="1"/>
+          </p:cNvSpPr>
+          <p:nvPr>
+            <p:ph sz="half" idx="2"/>
+          </p:nvPr>
+        </p:nvSpPr>
+        <p:spPr>
+          <a:xfrm>
+            <a:off x="4648200" y="1200151"/>
+            <a:ext cx="4038600" cy="3394472"/>
+          </a:xfrm>
+        </p:spPr>
+        <p:txBody>
+          <a:bodyPr>
+            <a:normAutofit/>
+          </a:bodyPr>
           <a:lstStyle/>
           <a:p>
-            <a:r>
-              <a:rPr lang="en-NO" dirty="0"/>
-              <a:t>Agenda</a:t>
-            </a:r>
+            <a:pPr>
+              <a:lnSpc>
+                <a:spcPct val="90000"/>
+              </a:lnSpc>
+            </a:pPr>
+            <a:r>
+              <a:rPr lang="en-GB" sz="1500"/>
+              <a:t>Oceans are a major heat reservoir and influence weather patterns, moderating temperature and making Earth habitable.</a:t>
+            </a:r>
+          </a:p>
+          <a:p>
+            <a:pPr>
+              <a:lnSpc>
+                <a:spcPct val="90000"/>
+              </a:lnSpc>
+            </a:pPr>
+            <a:r>
+              <a:rPr lang="en-GB" sz="1500"/>
+              <a:t>Oceans produce more than half of the oxygen we breathe and are home to countless species, many of which are yet to be discovered.</a:t>
+            </a:r>
+          </a:p>
+          <a:p>
+            <a:pPr>
+              <a:lnSpc>
+                <a:spcPct val="90000"/>
+              </a:lnSpc>
+            </a:pPr>
+            <a:r>
+              <a:rPr lang="en-GB" sz="1500"/>
+              <a:t>The fishing industry depends on oceans as a source of food and livelihood, making it critical for many coastal communities.</a:t>
+            </a:r>
+          </a:p>
+          <a:p>
+            <a:pPr>
+              <a:lnSpc>
+                <a:spcPct val="90000"/>
+              </a:lnSpc>
+            </a:pPr>
+            <a:r>
+              <a:rPr lang="en-GB" sz="1500"/>
+              <a:t>Oceans are also essential for global trade transportation, with around 80% of all trade goods transported by ships.</a:t>
+            </a:r>
+            <a:endParaRPr lang="en-NO" sz="1500"/>
           </a:p>
         </p:txBody>
       </p:sp>
     </p:spTree>
     <p:extLst>
       <p:ext uri="{BB962C8B-B14F-4D97-AF65-F5344CB8AC3E}">
-        <p14:creationId xmlns:p14="http://schemas.microsoft.com/office/powerpoint/2010/main" val="55807740"/>
+        <p14:creationId xmlns:p14="http://schemas.microsoft.com/office/powerpoint/2010/main" val="1981921535"/>
       </p:ext>
     </p:extLst>
   </p:cSld>
@@ -3952,7 +4128,7 @@
           <p:cNvPr id="2" name="Content Placeholder 1">
             <a:extLst>
               <a:ext uri="{FF2B5EF4-FFF2-40B4-BE49-F238E27FC236}">
-                <a16:creationId xmlns:a16="http://schemas.microsoft.com/office/drawing/2014/main" id="{423769BC-8DCB-2FB2-0FF7-71C57112EECC}"/>
+                <a16:creationId xmlns:a16="http://schemas.microsoft.com/office/drawing/2014/main" id="{8E94562E-CD43-5FFA-00B3-EAB6A838C702}"/>
               </a:ext>
             </a:extLst>
           </p:cNvPr>
@@ -3968,7 +4144,34 @@
           <a:bodyPr/>
           <a:lstStyle/>
           <a:p>
-            <a:endParaRPr lang="en-NO"/>
+            <a:r>
+              <a:rPr lang="en-NO" dirty="0"/>
+              <a:t>Introduction</a:t>
+            </a:r>
+          </a:p>
+          <a:p>
+            <a:r>
+              <a:rPr lang="en-NO" dirty="0"/>
+              <a:t>Adaptive sampling </a:t>
+            </a:r>
+          </a:p>
+          <a:p>
+            <a:r>
+              <a:rPr lang="en-NO" dirty="0"/>
+              <a:t>Case studies</a:t>
+            </a:r>
+          </a:p>
+          <a:p>
+            <a:r>
+              <a:rPr lang="en-NO" dirty="0"/>
+              <a:t>Remarks</a:t>
+            </a:r>
+          </a:p>
+          <a:p>
+            <a:r>
+              <a:rPr lang="en-NO" dirty="0"/>
+              <a:t>Conclusion</a:t>
+            </a:r>
           </a:p>
         </p:txBody>
       </p:sp>
@@ -3977,7 +4180,7 @@
           <p:cNvPr id="3" name="Title 2">
             <a:extLst>
               <a:ext uri="{FF2B5EF4-FFF2-40B4-BE49-F238E27FC236}">
-                <a16:creationId xmlns:a16="http://schemas.microsoft.com/office/drawing/2014/main" id="{76B587F3-77FB-4434-F17B-855B3D1FFD18}"/>
+                <a16:creationId xmlns:a16="http://schemas.microsoft.com/office/drawing/2014/main" id="{A9C9F336-DAE6-7273-5084-FDF58D6A5E11}"/>
               </a:ext>
             </a:extLst>
           </p:cNvPr>
@@ -3993,14 +4196,17 @@
           <a:bodyPr/>
           <a:lstStyle/>
           <a:p>
-            <a:endParaRPr lang="en-NO"/>
+            <a:r>
+              <a:rPr lang="en-NO" dirty="0"/>
+              <a:t>Agenda</a:t>
+            </a:r>
           </a:p>
         </p:txBody>
       </p:sp>
     </p:spTree>
     <p:extLst>
       <p:ext uri="{BB962C8B-B14F-4D97-AF65-F5344CB8AC3E}">
-        <p14:creationId xmlns:p14="http://schemas.microsoft.com/office/powerpoint/2010/main" val="1693402847"/>
+        <p14:creationId xmlns:p14="http://schemas.microsoft.com/office/powerpoint/2010/main" val="55807740"/>
       </p:ext>
     </p:extLst>
   </p:cSld>
@@ -4029,10 +4235,10 @@
       </p:grpSpPr>
       <p:sp>
         <p:nvSpPr>
-          <p:cNvPr id="2" name="Title 1">
+          <p:cNvPr id="2" name="Content Placeholder 1">
             <a:extLst>
               <a:ext uri="{FF2B5EF4-FFF2-40B4-BE49-F238E27FC236}">
-                <a16:creationId xmlns:a16="http://schemas.microsoft.com/office/drawing/2014/main" id="{4DA7DCAF-6265-EB34-47A5-2EAF5C55632A}"/>
+                <a16:creationId xmlns:a16="http://schemas.microsoft.com/office/drawing/2014/main" id="{423769BC-8DCB-2FB2-0FF7-71C57112EECC}"/>
               </a:ext>
             </a:extLst>
           </p:cNvPr>
@@ -4040,140 +4246,59 @@
             <a:spLocks noGrp="1"/>
           </p:cNvSpPr>
           <p:nvPr>
-            <p:ph type="title"/>
-          </p:nvPr>
-        </p:nvSpPr>
-        <p:spPr>
-          <a:xfrm>
-            <a:off x="314320" y="205979"/>
-            <a:ext cx="8229600" cy="646331"/>
-          </a:xfrm>
-        </p:spPr>
-        <p:txBody>
-          <a:bodyPr anchor="t">
-            <a:normAutofit/>
-          </a:bodyPr>
+            <p:ph idx="1"/>
+          </p:nvPr>
+        </p:nvSpPr>
+        <p:spPr/>
+        <p:txBody>
+          <a:bodyPr/>
           <a:lstStyle/>
           <a:p>
-            <a:pPr>
-              <a:lnSpc>
-                <a:spcPct val="90000"/>
-              </a:lnSpc>
-            </a:pPr>
-            <a:r>
-              <a:rPr lang="en-NO" sz="2800"/>
-              <a:t>The Importance of Oceans in Our Daily Life</a:t>
-            </a:r>
-          </a:p>
-        </p:txBody>
-      </p:sp>
-      <p:pic>
-        <p:nvPicPr>
-          <p:cNvPr id="5" name="Content Placeholder 4" descr="High angle view of the sea">
+            <a:r>
+              <a:rPr lang="en-NO" dirty="0"/>
+              <a:t>What is oceanfront?</a:t>
+            </a:r>
+          </a:p>
+          <a:p>
+            <a:r>
+              <a:rPr lang="en-NO" dirty="0"/>
+              <a:t>Why is it important in the ecosystem and climate?</a:t>
+            </a:r>
+          </a:p>
+        </p:txBody>
+      </p:sp>
+      <p:sp>
+        <p:nvSpPr>
+          <p:cNvPr id="3" name="Title 2">
             <a:extLst>
               <a:ext uri="{FF2B5EF4-FFF2-40B4-BE49-F238E27FC236}">
-                <a16:creationId xmlns:a16="http://schemas.microsoft.com/office/drawing/2014/main" id="{E7F964F8-F631-4F7C-A714-3958B1BCCCC8}"/>
+                <a16:creationId xmlns:a16="http://schemas.microsoft.com/office/drawing/2014/main" id="{76B587F3-77FB-4434-F17B-855B3D1FFD18}"/>
               </a:ext>
             </a:extLst>
           </p:cNvPr>
-          <p:cNvPicPr>
-            <a:picLocks noGrp="1" noChangeAspect="1"/>
-          </p:cNvPicPr>
-          <p:nvPr>
-            <p:ph sz="half" idx="1"/>
-          </p:nvPr>
-        </p:nvPicPr>
-        <p:blipFill rotWithShape="1">
-          <a:blip r:embed="rId3"/>
-          <a:srcRect l="866" r="19716" b="-3"/>
-          <a:stretch/>
-        </p:blipFill>
-        <p:spPr>
-          <a:xfrm>
-            <a:off x="457200" y="1200151"/>
-            <a:ext cx="4038600" cy="3394472"/>
-          </a:xfrm>
-          <a:noFill/>
-        </p:spPr>
-      </p:pic>
-      <p:sp>
-        <p:nvSpPr>
-          <p:cNvPr id="4" name="Content Placeholder 3">
-            <a:extLst>
-              <a:ext uri="{FF2B5EF4-FFF2-40B4-BE49-F238E27FC236}">
-                <a16:creationId xmlns:a16="http://schemas.microsoft.com/office/drawing/2014/main" id="{BC736B99-A25C-EC19-0DDA-0E81401D6148}"/>
-              </a:ext>
-            </a:extLst>
-          </p:cNvPr>
-          <p:cNvSpPr>
-            <a:spLocks noGrp="1"/>
-          </p:cNvSpPr>
-          <p:nvPr>
-            <p:ph sz="half" idx="2"/>
-          </p:nvPr>
-        </p:nvSpPr>
-        <p:spPr>
-          <a:xfrm>
-            <a:off x="4648200" y="1200151"/>
-            <a:ext cx="4038600" cy="3394472"/>
-          </a:xfrm>
-        </p:spPr>
-        <p:txBody>
-          <a:bodyPr>
-            <a:normAutofit/>
-          </a:bodyPr>
+          <p:cNvSpPr>
+            <a:spLocks noGrp="1"/>
+          </p:cNvSpPr>
+          <p:nvPr>
+            <p:ph type="title"/>
+          </p:nvPr>
+        </p:nvSpPr>
+        <p:spPr/>
+        <p:txBody>
+          <a:bodyPr/>
           <a:lstStyle/>
           <a:p>
-            <a:pPr>
-              <a:lnSpc>
-                <a:spcPct val="90000"/>
-              </a:lnSpc>
-            </a:pPr>
-            <a:r>
-              <a:rPr lang="en-GB" sz="1500"/>
-              <a:t>Oceans are a major heat reservoir and influence weather patterns, moderating temperature and making Earth habitable.</a:t>
-            </a:r>
-          </a:p>
-          <a:p>
-            <a:pPr>
-              <a:lnSpc>
-                <a:spcPct val="90000"/>
-              </a:lnSpc>
-            </a:pPr>
-            <a:r>
-              <a:rPr lang="en-GB" sz="1500"/>
-              <a:t>Oceans produce more than half of the oxygen we breathe and are home to countless species, many of which are yet to be discovered.</a:t>
-            </a:r>
-          </a:p>
-          <a:p>
-            <a:pPr>
-              <a:lnSpc>
-                <a:spcPct val="90000"/>
-              </a:lnSpc>
-            </a:pPr>
-            <a:r>
-              <a:rPr lang="en-GB" sz="1500"/>
-              <a:t>The fishing industry depends on oceans as a source of food and livelihood, making it critical for many coastal communities.</a:t>
-            </a:r>
-          </a:p>
-          <a:p>
-            <a:pPr>
-              <a:lnSpc>
-                <a:spcPct val="90000"/>
-              </a:lnSpc>
-            </a:pPr>
-            <a:r>
-              <a:rPr lang="en-GB" sz="1500"/>
-              <a:t>Oceans are also essential for global trade transportation, with around 80% of all trade goods transported by ships.</a:t>
-            </a:r>
-            <a:endParaRPr lang="en-NO" sz="1500"/>
+            <a:r>
+              <a:rPr lang="en-NO" dirty="0"/>
+              <a:t>Ocean Fronts</a:t>
+            </a:r>
           </a:p>
         </p:txBody>
       </p:sp>
     </p:spTree>
     <p:extLst>
       <p:ext uri="{BB962C8B-B14F-4D97-AF65-F5344CB8AC3E}">
-        <p14:creationId xmlns:p14="http://schemas.microsoft.com/office/powerpoint/2010/main" val="1981921535"/>
+        <p14:creationId xmlns:p14="http://schemas.microsoft.com/office/powerpoint/2010/main" val="1693402847"/>
       </p:ext>
     </p:extLst>
   </p:cSld>
@@ -4205,7 +4330,7 @@
           <p:cNvPr id="2" name="Content Placeholder 1">
             <a:extLst>
               <a:ext uri="{FF2B5EF4-FFF2-40B4-BE49-F238E27FC236}">
-                <a16:creationId xmlns:a16="http://schemas.microsoft.com/office/drawing/2014/main" id="{DE7BBD1B-F3C4-A17E-D38D-D42732F02453}"/>
+                <a16:creationId xmlns:a16="http://schemas.microsoft.com/office/drawing/2014/main" id="{5A737C56-A0D1-6843-C150-495B149B3FC5}"/>
               </a:ext>
             </a:extLst>
           </p:cNvPr>
@@ -4222,18 +4347,25 @@
           <a:lstStyle/>
           <a:p>
             <a:r>
-              <a:rPr lang="en-GB" dirty="0">
-                <a:solidFill>
-                  <a:srgbClr val="000000"/>
-                </a:solidFill>
-                <a:effectLst/>
-                <a:latin typeface="Helvetica Neue" panose="02000503000000020004" pitchFamily="2" charset="0"/>
-              </a:rPr>
-              <a:t>It is a major heat reservoir, influencing weather patterns and moderating temperatures around the world (Rhein et al. 2013).</a:t>
-            </a:r>
-          </a:p>
-          <a:p>
-            <a:endParaRPr lang="en-NO" dirty="0"/>
+              <a:rPr lang="en-GB" dirty="0"/>
+              <a:t>W</a:t>
+            </a:r>
+            <a:r>
+              <a:rPr lang="en-NO" dirty="0"/>
+              <a:t>hat is an AUV?</a:t>
+            </a:r>
+          </a:p>
+          <a:p>
+            <a:r>
+              <a:rPr lang="en-NO" dirty="0"/>
+              <a:t>What can AUV do? </a:t>
+            </a:r>
+          </a:p>
+          <a:p>
+            <a:r>
+              <a:rPr lang="en-NO" dirty="0"/>
+              <a:t>Why AUV is important in ocean research? </a:t>
+            </a:r>
           </a:p>
         </p:txBody>
       </p:sp>
@@ -4242,7 +4374,7 @@
           <p:cNvPr id="3" name="Title 2">
             <a:extLst>
               <a:ext uri="{FF2B5EF4-FFF2-40B4-BE49-F238E27FC236}">
-                <a16:creationId xmlns:a16="http://schemas.microsoft.com/office/drawing/2014/main" id="{8E16ABC7-D770-6121-D72A-F9EB682B2075}"/>
+                <a16:creationId xmlns:a16="http://schemas.microsoft.com/office/drawing/2014/main" id="{8671453A-CB38-6245-2DF5-CA283A4A22E7}"/>
               </a:ext>
             </a:extLst>
           </p:cNvPr>
@@ -4260,45 +4392,15 @@
           <a:p>
             <a:r>
               <a:rPr lang="en-NO" dirty="0"/>
-              <a:t>Ocean as a heat reservoir</a:t>
-            </a:r>
-          </a:p>
-        </p:txBody>
-      </p:sp>
-      <p:pic>
-        <p:nvPicPr>
-          <p:cNvPr id="4" name="Picture 3" descr="Cartoon earth holding a thermometer in a wave&#10;&#10;Description automatically generated">
-            <a:extLst>
-              <a:ext uri="{FF2B5EF4-FFF2-40B4-BE49-F238E27FC236}">
-                <a16:creationId xmlns:a16="http://schemas.microsoft.com/office/drawing/2014/main" id="{C00B471C-BBE4-7658-C5FE-451533D5E910}"/>
-              </a:ext>
-            </a:extLst>
-          </p:cNvPr>
-          <p:cNvPicPr>
-            <a:picLocks noChangeAspect="1"/>
-          </p:cNvPicPr>
-          <p:nvPr/>
-        </p:nvPicPr>
-        <p:blipFill>
-          <a:blip r:embed="rId2"/>
-          <a:stretch>
-            <a:fillRect/>
-          </a:stretch>
-        </p:blipFill>
-        <p:spPr>
-          <a:xfrm>
-            <a:off x="523572" y="951190"/>
-            <a:ext cx="3241120" cy="3241120"/>
-          </a:xfrm>
-          <a:prstGeom prst="rect">
-            <a:avLst/>
-          </a:prstGeom>
-        </p:spPr>
-      </p:pic>
+              <a:t>Autonomous Underwater Vehicles</a:t>
+            </a:r>
+          </a:p>
+        </p:txBody>
+      </p:sp>
     </p:spTree>
     <p:extLst>
       <p:ext uri="{BB962C8B-B14F-4D97-AF65-F5344CB8AC3E}">
-        <p14:creationId xmlns:p14="http://schemas.microsoft.com/office/powerpoint/2010/main" val="3621400343"/>
+        <p14:creationId xmlns:p14="http://schemas.microsoft.com/office/powerpoint/2010/main" val="1444656822"/>
       </p:ext>
     </p:extLst>
   </p:cSld>
@@ -4325,10 +4427,82 @@
           <a:chExt cx="0" cy="0"/>
         </a:xfrm>
       </p:grpSpPr>
+      <p:sp>
+        <p:nvSpPr>
+          <p:cNvPr id="2" name="Content Placeholder 1">
+            <a:extLst>
+              <a:ext uri="{FF2B5EF4-FFF2-40B4-BE49-F238E27FC236}">
+                <a16:creationId xmlns:a16="http://schemas.microsoft.com/office/drawing/2014/main" id="{F68C30B8-08A6-D1F9-8902-9B65A2DFA2E9}"/>
+              </a:ext>
+            </a:extLst>
+          </p:cNvPr>
+          <p:cNvSpPr>
+            <a:spLocks noGrp="1"/>
+          </p:cNvSpPr>
+          <p:nvPr>
+            <p:ph idx="1"/>
+          </p:nvPr>
+        </p:nvSpPr>
+        <p:spPr/>
+        <p:txBody>
+          <a:bodyPr/>
+          <a:lstStyle/>
+          <a:p>
+            <a:r>
+              <a:rPr lang="en-GB" dirty="0"/>
+              <a:t>W</a:t>
+            </a:r>
+            <a:r>
+              <a:rPr lang="en-NO" dirty="0"/>
+              <a:t>hat is adaptive sampling?</a:t>
+            </a:r>
+          </a:p>
+          <a:p>
+            <a:r>
+              <a:rPr lang="en-NO" dirty="0"/>
+              <a:t>Limitations associated with traditional methods such as satellite image etc. </a:t>
+            </a:r>
+          </a:p>
+          <a:p>
+            <a:r>
+              <a:rPr lang="en-NO" dirty="0"/>
+              <a:t>Advantages of adaptive sampling using AUVs? </a:t>
+            </a:r>
+          </a:p>
+        </p:txBody>
+      </p:sp>
+      <p:sp>
+        <p:nvSpPr>
+          <p:cNvPr id="3" name="Title 2">
+            <a:extLst>
+              <a:ext uri="{FF2B5EF4-FFF2-40B4-BE49-F238E27FC236}">
+                <a16:creationId xmlns:a16="http://schemas.microsoft.com/office/drawing/2014/main" id="{D2D5A2D0-DA06-7FE4-2BB2-FD46163E59F3}"/>
+              </a:ext>
+            </a:extLst>
+          </p:cNvPr>
+          <p:cNvSpPr>
+            <a:spLocks noGrp="1"/>
+          </p:cNvSpPr>
+          <p:nvPr>
+            <p:ph type="title"/>
+          </p:nvPr>
+        </p:nvSpPr>
+        <p:spPr/>
+        <p:txBody>
+          <a:bodyPr/>
+          <a:lstStyle/>
+          <a:p>
+            <a:r>
+              <a:rPr lang="en-NO" dirty="0"/>
+              <a:t>Adaptive sampling</a:t>
+            </a:r>
+          </a:p>
+        </p:txBody>
+      </p:sp>
     </p:spTree>
     <p:extLst>
       <p:ext uri="{BB962C8B-B14F-4D97-AF65-F5344CB8AC3E}">
-        <p14:creationId xmlns:p14="http://schemas.microsoft.com/office/powerpoint/2010/main" val="3904820106"/>
+        <p14:creationId xmlns:p14="http://schemas.microsoft.com/office/powerpoint/2010/main" val="1776763547"/>
       </p:ext>
     </p:extLst>
   </p:cSld>
@@ -4355,10 +4529,116 @@
           <a:chExt cx="0" cy="0"/>
         </a:xfrm>
       </p:grpSpPr>
+      <p:sp>
+        <p:nvSpPr>
+          <p:cNvPr id="2" name="Content Placeholder 1">
+            <a:extLst>
+              <a:ext uri="{FF2B5EF4-FFF2-40B4-BE49-F238E27FC236}">
+                <a16:creationId xmlns:a16="http://schemas.microsoft.com/office/drawing/2014/main" id="{CEA2C733-7D5E-3D46-6B05-E34CC4E27814}"/>
+              </a:ext>
+            </a:extLst>
+          </p:cNvPr>
+          <p:cNvSpPr>
+            <a:spLocks noGrp="1"/>
+          </p:cNvSpPr>
+          <p:nvPr>
+            <p:ph idx="1"/>
+          </p:nvPr>
+        </p:nvSpPr>
+        <p:spPr/>
+        <p:txBody>
+          <a:bodyPr/>
+          <a:lstStyle/>
+          <a:p>
+            <a:r>
+              <a:rPr lang="en-NO" dirty="0"/>
+              <a:t>Environmental factors</a:t>
+            </a:r>
+          </a:p>
+          <a:p>
+            <a:pPr lvl="1"/>
+            <a:r>
+              <a:rPr lang="en-GB" dirty="0"/>
+              <a:t>U</a:t>
+            </a:r>
+            <a:r>
+              <a:rPr lang="en-NO" dirty="0"/>
+              <a:t>npredictable currents and turbulence</a:t>
+            </a:r>
+          </a:p>
+          <a:p>
+            <a:pPr lvl="1"/>
+            <a:r>
+              <a:rPr lang="en-GB" dirty="0"/>
+              <a:t>D</a:t>
+            </a:r>
+            <a:r>
+              <a:rPr lang="en-NO" dirty="0"/>
+              <a:t>ynamic and complex environment</a:t>
+            </a:r>
+          </a:p>
+          <a:p>
+            <a:r>
+              <a:rPr lang="en-NO" dirty="0"/>
+              <a:t>Technical challenges</a:t>
+            </a:r>
+          </a:p>
+          <a:p>
+            <a:pPr lvl="1"/>
+            <a:r>
+              <a:rPr lang="en-GB" dirty="0"/>
+              <a:t>N</a:t>
+            </a:r>
+            <a:r>
+              <a:rPr lang="en-NO" dirty="0"/>
+              <a:t>avigation and localization in underwater</a:t>
+            </a:r>
+          </a:p>
+          <a:p>
+            <a:pPr lvl="1"/>
+            <a:r>
+              <a:rPr lang="en-GB" dirty="0"/>
+              <a:t>D</a:t>
+            </a:r>
+            <a:r>
+              <a:rPr lang="en-NO" dirty="0"/>
+              <a:t>ata transmission and coordination</a:t>
+            </a:r>
+          </a:p>
+        </p:txBody>
+      </p:sp>
+      <p:sp>
+        <p:nvSpPr>
+          <p:cNvPr id="3" name="Title 2">
+            <a:extLst>
+              <a:ext uri="{FF2B5EF4-FFF2-40B4-BE49-F238E27FC236}">
+                <a16:creationId xmlns:a16="http://schemas.microsoft.com/office/drawing/2014/main" id="{B3481F46-6D57-4DC6-1EB3-72431CDC9604}"/>
+              </a:ext>
+            </a:extLst>
+          </p:cNvPr>
+          <p:cNvSpPr>
+            <a:spLocks noGrp="1"/>
+          </p:cNvSpPr>
+          <p:nvPr>
+            <p:ph type="title"/>
+          </p:nvPr>
+        </p:nvSpPr>
+        <p:spPr/>
+        <p:txBody>
+          <a:bodyPr/>
+          <a:lstStyle/>
+          <a:p>
+            <a:r>
+              <a:rPr lang="en-NO" dirty="0"/>
+              <a:t>Challenges in oceanfront sampling</a:t>
+            </a:r>
+          </a:p>
+        </p:txBody>
+      </p:sp>
     </p:spTree>
     <p:extLst>
       <p:ext uri="{BB962C8B-B14F-4D97-AF65-F5344CB8AC3E}">
-        <p14:creationId xmlns:p14="http://schemas.microsoft.com/office/powerpoint/2010/main" val="4218736845"/>
+        <p14:creationId xmlns:p14="http://schemas.microsoft.com/office/powerpoint/2010/main" val="3525389562"/>
       </p:ext>
     </p:extLst>
   </p:cSld>
@@ -4387,10 +4667,10 @@
       </p:grpSpPr>
       <p:sp>
         <p:nvSpPr>
-          <p:cNvPr id="2" name="Title 1">
+          <p:cNvPr id="2" name="Content Placeholder 1">
             <a:extLst>
               <a:ext uri="{FF2B5EF4-FFF2-40B4-BE49-F238E27FC236}">
-                <a16:creationId xmlns:a16="http://schemas.microsoft.com/office/drawing/2014/main" id="{9EA36206-F699-F0C9-02E0-EC033514805E}"/>
+                <a16:creationId xmlns:a16="http://schemas.microsoft.com/office/drawing/2014/main" id="{9C2AA268-82AB-493E-2989-B3DAC8B47E02}"/>
               </a:ext>
             </a:extLst>
           </p:cNvPr>
@@ -4398,68 +4678,147 @@
             <a:spLocks noGrp="1"/>
           </p:cNvSpPr>
           <p:nvPr>
-            <p:ph type="title"/>
-          </p:nvPr>
-        </p:nvSpPr>
-        <p:spPr>
-          <a:xfrm>
-            <a:off x="314320" y="205979"/>
-            <a:ext cx="8229600" cy="646331"/>
-          </a:xfrm>
-        </p:spPr>
-        <p:txBody>
-          <a:bodyPr anchor="t">
-            <a:normAutofit/>
-          </a:bodyPr>
+            <p:ph idx="1"/>
+          </p:nvPr>
+        </p:nvSpPr>
+        <p:spPr/>
+        <p:txBody>
+          <a:bodyPr/>
           <a:lstStyle/>
           <a:p>
-            <a:pPr>
-              <a:lnSpc>
-                <a:spcPct val="90000"/>
-              </a:lnSpc>
-            </a:pPr>
-            <a:r>
-              <a:rPr lang="en-NO" sz="3100"/>
-              <a:t>Adaptive Sampling of River Plume Fronts</a:t>
-            </a:r>
-          </a:p>
-        </p:txBody>
-      </p:sp>
-      <p:pic>
-        <p:nvPicPr>
-          <p:cNvPr id="5" name="Content Placeholder 4" descr="El Malecón, Santo Domingo's Maritime Boulevard, alongside the Caribbean sea's waterfront. &#13;&#10;The Boulevard have the most exclusive hotels, several casinos, the complex Malecón Center, the Obelisk.&#13;&#10;Dominican Republic">
+            <a:r>
+              <a:rPr lang="en-NO" dirty="0"/>
+              <a:t>Coordination and control strategies</a:t>
+            </a:r>
+          </a:p>
+          <a:p>
+            <a:pPr lvl="1"/>
+            <a:r>
+              <a:rPr lang="en-GB" dirty="0"/>
+              <a:t>S</a:t>
+            </a:r>
+            <a:r>
+              <a:rPr lang="en-NO" dirty="0"/>
+              <a:t>warm intelligence and decentralized control</a:t>
+            </a:r>
+          </a:p>
+          <a:p>
+            <a:pPr lvl="1"/>
+            <a:r>
+              <a:rPr lang="en-GB" dirty="0"/>
+              <a:t>P</a:t>
+            </a:r>
+            <a:r>
+              <a:rPr lang="en-NO" dirty="0"/>
+              <a:t>re-programmed routes vs. dynamic programming </a:t>
+            </a:r>
+          </a:p>
+          <a:p>
+            <a:r>
+              <a:rPr lang="en-GB" dirty="0"/>
+              <a:t>C</a:t>
+            </a:r>
+            <a:r>
+              <a:rPr lang="en-NO" dirty="0"/>
+              <a:t>ommunication and </a:t>
+            </a:r>
+            <a:r>
+              <a:rPr lang="en-GB" dirty="0"/>
+              <a:t>C</a:t>
+            </a:r>
+            <a:r>
+              <a:rPr lang="en-NO" dirty="0"/>
+              <a:t>ollaboration</a:t>
+            </a:r>
+          </a:p>
+          <a:p>
+            <a:pPr lvl="1"/>
+            <a:r>
+              <a:rPr lang="en-GB" dirty="0"/>
+              <a:t>U</a:t>
+            </a:r>
+            <a:r>
+              <a:rPr lang="en-NO" dirty="0"/>
+              <a:t>nderwater communication</a:t>
+            </a:r>
+          </a:p>
+          <a:p>
+            <a:pPr lvl="1"/>
+            <a:r>
+              <a:rPr lang="en-GB" dirty="0"/>
+              <a:t>R</a:t>
+            </a:r>
+            <a:r>
+              <a:rPr lang="en-NO" dirty="0"/>
+              <a:t>eal-time data sharing </a:t>
+            </a:r>
+          </a:p>
+        </p:txBody>
+      </p:sp>
+      <p:sp>
+        <p:nvSpPr>
+          <p:cNvPr id="3" name="Title 2">
             <a:extLst>
               <a:ext uri="{FF2B5EF4-FFF2-40B4-BE49-F238E27FC236}">
-                <a16:creationId xmlns:a16="http://schemas.microsoft.com/office/drawing/2014/main" id="{F3A15927-9981-4BE6-A3AD-F20F716B3661}"/>
+                <a16:creationId xmlns:a16="http://schemas.microsoft.com/office/drawing/2014/main" id="{4B67E503-9D2A-875B-BA72-54A79671E779}"/>
               </a:ext>
             </a:extLst>
           </p:cNvPr>
-          <p:cNvPicPr>
-            <a:picLocks noGrp="1" noChangeAspect="1"/>
-          </p:cNvPicPr>
-          <p:nvPr>
-            <p:ph sz="half" idx="1"/>
-          </p:nvPr>
-        </p:nvPicPr>
-        <p:blipFill rotWithShape="1">
-          <a:blip r:embed="rId3"/>
-          <a:srcRect l="10768" r="1" b="1"/>
-          <a:stretch/>
-        </p:blipFill>
-        <p:spPr>
-          <a:xfrm>
-            <a:off x="457200" y="1200151"/>
-            <a:ext cx="4038600" cy="3394472"/>
-          </a:xfrm>
-          <a:noFill/>
-        </p:spPr>
-      </p:pic>
-      <p:sp>
-        <p:nvSpPr>
-          <p:cNvPr id="4" name="Content Placeholder 3">
+          <p:cNvSpPr>
+            <a:spLocks noGrp="1"/>
+          </p:cNvSpPr>
+          <p:nvPr>
+            <p:ph type="title"/>
+          </p:nvPr>
+        </p:nvSpPr>
+        <p:spPr/>
+        <p:txBody>
+          <a:bodyPr/>
+          <a:lstStyle/>
+          <a:p>
+            <a:r>
+              <a:rPr lang="en-NO" dirty="0"/>
+              <a:t>Benefits of using multiple AUVs</a:t>
+            </a:r>
+          </a:p>
+        </p:txBody>
+      </p:sp>
+    </p:spTree>
+    <p:extLst>
+      <p:ext uri="{BB962C8B-B14F-4D97-AF65-F5344CB8AC3E}">
+        <p14:creationId xmlns:p14="http://schemas.microsoft.com/office/powerpoint/2010/main" val="3428732710"/>
+      </p:ext>
+    </p:extLst>
+  </p:cSld>
+  <p:clrMapOvr>
+    <a:masterClrMapping/>
+  </p:clrMapOvr>
+</p:sld>
+</file>
+
+<file path=ppt/slides/slide9.xml><?xml version="1.0" encoding="utf-8"?>
+<p:sld xmlns:a="http://schemas.openxmlformats.org/drawingml/2006/main" xmlns:r="http://schemas.openxmlformats.org/officeDocument/2006/relationships" xmlns:p="http://schemas.openxmlformats.org/presentationml/2006/main">
+  <p:cSld>
+    <p:spTree>
+      <p:nvGrpSpPr>
+        <p:cNvPr id="1" name=""/>
+        <p:cNvGrpSpPr/>
+        <p:nvPr/>
+      </p:nvGrpSpPr>
+      <p:grpSpPr>
+        <a:xfrm>
+          <a:off x="0" y="0"/>
+          <a:ext cx="0" cy="0"/>
+          <a:chOff x="0" y="0"/>
+          <a:chExt cx="0" cy="0"/>
+        </a:xfrm>
+      </p:grpSpPr>
+      <p:sp>
+        <p:nvSpPr>
+          <p:cNvPr id="2" name="Content Placeholder 1">
             <a:extLst>
               <a:ext uri="{FF2B5EF4-FFF2-40B4-BE49-F238E27FC236}">
-                <a16:creationId xmlns:a16="http://schemas.microsoft.com/office/drawing/2014/main" id="{4467244D-7A0F-5DEF-4F75-324FA8989918}"/>
+                <a16:creationId xmlns:a16="http://schemas.microsoft.com/office/drawing/2014/main" id="{9C2AA268-82AB-493E-2989-B3DAC8B47E02}"/>
               </a:ext>
             </a:extLst>
           </p:cNvPr>
@@ -4467,60 +4826,76 @@
             <a:spLocks noGrp="1"/>
           </p:cNvSpPr>
           <p:nvPr>
-            <p:ph sz="half" idx="2"/>
-          </p:nvPr>
-        </p:nvSpPr>
-        <p:spPr>
-          <a:xfrm>
-            <a:off x="4648200" y="1200151"/>
-            <a:ext cx="4038600" cy="3394472"/>
-          </a:xfrm>
-        </p:spPr>
-        <p:txBody>
-          <a:bodyPr>
-            <a:normAutofit/>
-          </a:bodyPr>
+            <p:ph idx="1"/>
+          </p:nvPr>
+        </p:nvSpPr>
+        <p:spPr/>
+        <p:txBody>
+          <a:bodyPr/>
           <a:lstStyle/>
           <a:p>
-            <a:pPr>
-              <a:lnSpc>
-                <a:spcPct val="90000"/>
-              </a:lnSpc>
-            </a:pPr>
-            <a:r>
-              <a:rPr lang="en-GB" sz="2200"/>
-              <a:t>River plume fronts can be studied through statistical modeling and autonomous path planning.</a:t>
-            </a:r>
-          </a:p>
-          <a:p>
-            <a:pPr>
-              <a:lnSpc>
-                <a:spcPct val="90000"/>
-              </a:lnSpc>
-            </a:pPr>
-            <a:r>
-              <a:rPr lang="en-GB" sz="2200"/>
-              <a:t>Adaptive sampling can enhance oceanographic exploration.</a:t>
-            </a:r>
-          </a:p>
-          <a:p>
-            <a:pPr>
-              <a:lnSpc>
-                <a:spcPct val="90000"/>
-              </a:lnSpc>
-            </a:pPr>
-            <a:r>
-              <a:rPr lang="en-GB" sz="2200"/>
-              <a:t>This slide shows an example of ocean fronts.</a:t>
-            </a:r>
-            <a:endParaRPr lang="en-NO" sz="2200"/>
+            <a:r>
+              <a:rPr lang="en-NO" dirty="0"/>
+              <a:t>Different control strategies</a:t>
+            </a:r>
+          </a:p>
+          <a:p>
+            <a:r>
+              <a:rPr lang="en-GB" dirty="0"/>
+              <a:t>D</a:t>
+            </a:r>
+            <a:r>
+              <a:rPr lang="en-NO" dirty="0"/>
+              <a:t>ifferent communication strategies</a:t>
+            </a:r>
+          </a:p>
+          <a:p>
+            <a:r>
+              <a:rPr lang="en-GB" dirty="0"/>
+              <a:t>D</a:t>
+            </a:r>
+            <a:r>
+              <a:rPr lang="en-NO" dirty="0"/>
+              <a:t>ifferent targeting strategies</a:t>
+            </a:r>
+          </a:p>
+          <a:p>
+            <a:endParaRPr lang="en-NO" dirty="0"/>
+          </a:p>
+        </p:txBody>
+      </p:sp>
+      <p:sp>
+        <p:nvSpPr>
+          <p:cNvPr id="3" name="Title 2">
+            <a:extLst>
+              <a:ext uri="{FF2B5EF4-FFF2-40B4-BE49-F238E27FC236}">
+                <a16:creationId xmlns:a16="http://schemas.microsoft.com/office/drawing/2014/main" id="{4B67E503-9D2A-875B-BA72-54A79671E779}"/>
+              </a:ext>
+            </a:extLst>
+          </p:cNvPr>
+          <p:cNvSpPr>
+            <a:spLocks noGrp="1"/>
+          </p:cNvSpPr>
+          <p:nvPr>
+            <p:ph type="title"/>
+          </p:nvPr>
+        </p:nvSpPr>
+        <p:spPr/>
+        <p:txBody>
+          <a:bodyPr/>
+          <a:lstStyle/>
+          <a:p>
+            <a:r>
+              <a:rPr lang="en-NO" dirty="0"/>
+              <a:t>Case studies</a:t>
+            </a:r>
           </a:p>
         </p:txBody>
       </p:sp>
     </p:spTree>
     <p:extLst>
       <p:ext uri="{BB962C8B-B14F-4D97-AF65-F5344CB8AC3E}">
-        <p14:creationId xmlns:p14="http://schemas.microsoft.com/office/powerpoint/2010/main" val="861047374"/>
+        <p14:creationId xmlns:p14="http://schemas.microsoft.com/office/powerpoint/2010/main" val="2789313279"/>
       </p:ext>
     </p:extLst>
   </p:cSld>
